--- a/Формирование междисциплинарных тестовых заданий/Дипломная работа Лунева Л.М..pptx
+++ b/Формирование междисциплинарных тестовых заданий/Дипломная работа Лунева Л.М..pptx
@@ -6,6 +6,7 @@
   </p:sldMasterIdLst>
   <p:sldIdLst>
     <p:sldId id="256" r:id="rId2"/>
+    <p:sldId id="257" r:id="rId3"/>
   </p:sldIdLst>
   <p:sldSz cx="12192000" cy="6858000"/>
   <p:notesSz cx="6858000" cy="9144000"/>
@@ -104,6 +105,11 @@
       </a:defRPr>
     </a:lvl9pPr>
   </p:defaultTextStyle>
+  <p:extLst>
+    <p:ext uri="{EFAFB233-063F-42B5-8137-9DF3F51BA10A}">
+      <p15:sldGuideLst xmlns:p15="http://schemas.microsoft.com/office/powerpoint/2012/main"/>
+    </p:ext>
+  </p:extLst>
 </p:presentation>
 </file>
 
@@ -3360,8 +3366,8 @@
         </p:nvSpPr>
         <p:spPr>
           <a:xfrm>
-            <a:off x="1346200" y="355601"/>
-            <a:ext cx="9321800" cy="2794000"/>
+            <a:off x="1346200" y="355600"/>
+            <a:ext cx="9321800" cy="3073399"/>
           </a:xfrm>
         </p:spPr>
         <p:txBody>
@@ -3428,6 +3434,21 @@
               </a:rPr>
               <a:t>Информационные технологии и программирование</a:t>
             </a:r>
+            <a:br>
+              <a:rPr lang="ru-RU" sz="3200" dirty="0">
+                <a:effectLst/>
+                <a:latin typeface="Times New Roman" panose="02020603050405020304" pitchFamily="18" charset="0"/>
+                <a:ea typeface="Times New Roman" panose="02020603050405020304" pitchFamily="18" charset="0"/>
+              </a:rPr>
+            </a:br>
+            <a:r>
+              <a:rPr lang="ru-RU" sz="3200" dirty="0">
+                <a:effectLst/>
+                <a:latin typeface="Times New Roman" panose="02020603050405020304" pitchFamily="18" charset="0"/>
+                <a:ea typeface="Times New Roman" panose="02020603050405020304" pitchFamily="18" charset="0"/>
+              </a:rPr>
+              <a:t>Научный руководитель Бардина Т.И.</a:t>
+            </a:r>
             <a:endParaRPr lang="ru-RU" sz="3200" dirty="0"/>
           </a:p>
         </p:txBody>
@@ -3491,6 +3512,127 @@
     <p:extLst>
       <p:ext uri="{BB962C8B-B14F-4D97-AF65-F5344CB8AC3E}">
         <p14:creationId xmlns:p14="http://schemas.microsoft.com/office/powerpoint/2010/main" val="3842675292"/>
+      </p:ext>
+    </p:extLst>
+  </p:cSld>
+  <p:clrMapOvr>
+    <a:masterClrMapping/>
+  </p:clrMapOvr>
+</p:sld>
+</file>
+
+<file path=ppt/slides/slide2.xml><?xml version="1.0" encoding="utf-8"?>
+<p:sld xmlns:a="http://schemas.openxmlformats.org/drawingml/2006/main" xmlns:r="http://schemas.openxmlformats.org/officeDocument/2006/relationships" xmlns:p="http://schemas.openxmlformats.org/presentationml/2006/main">
+  <p:cSld>
+    <p:spTree>
+      <p:nvGrpSpPr>
+        <p:cNvPr id="1" name=""/>
+        <p:cNvGrpSpPr/>
+        <p:nvPr/>
+      </p:nvGrpSpPr>
+      <p:grpSpPr>
+        <a:xfrm>
+          <a:off x="0" y="0"/>
+          <a:ext cx="0" cy="0"/>
+          <a:chOff x="0" y="0"/>
+          <a:chExt cx="0" cy="0"/>
+        </a:xfrm>
+      </p:grpSpPr>
+      <p:sp>
+        <p:nvSpPr>
+          <p:cNvPr id="2" name="Title 1">
+            <a:extLst>
+              <a:ext uri="{FF2B5EF4-FFF2-40B4-BE49-F238E27FC236}">
+                <a16:creationId xmlns:a16="http://schemas.microsoft.com/office/drawing/2014/main" id="{9FC5EE2D-93C7-4979-8BC0-F12263709081}"/>
+              </a:ext>
+            </a:extLst>
+          </p:cNvPr>
+          <p:cNvSpPr>
+            <a:spLocks noGrp="1"/>
+          </p:cNvSpPr>
+          <p:nvPr>
+            <p:ph type="title"/>
+          </p:nvPr>
+        </p:nvSpPr>
+        <p:spPr/>
+        <p:txBody>
+          <a:bodyPr/>
+          <a:lstStyle/>
+          <a:p>
+            <a:r>
+              <a:rPr lang="ru-RU" dirty="0"/>
+              <a:t>Актуальность и цель работы:</a:t>
+            </a:r>
+          </a:p>
+        </p:txBody>
+      </p:sp>
+      <p:sp>
+        <p:nvSpPr>
+          <p:cNvPr id="3" name="Content Placeholder 2">
+            <a:extLst>
+              <a:ext uri="{FF2B5EF4-FFF2-40B4-BE49-F238E27FC236}">
+                <a16:creationId xmlns:a16="http://schemas.microsoft.com/office/drawing/2014/main" id="{38CAADCB-2287-4ECF-AB55-511BE266377E}"/>
+              </a:ext>
+            </a:extLst>
+          </p:cNvPr>
+          <p:cNvSpPr>
+            <a:spLocks noGrp="1"/>
+          </p:cNvSpPr>
+          <p:nvPr>
+            <p:ph idx="1"/>
+          </p:nvPr>
+        </p:nvSpPr>
+        <p:spPr/>
+        <p:txBody>
+          <a:bodyPr/>
+          <a:lstStyle/>
+          <a:p>
+            <a:r>
+              <a:rPr lang="ru-RU" dirty="0"/>
+              <a:t>Обеспечить учебный процесс собственными уникальными средствами тестирования, проверки знаний учащихся</a:t>
+            </a:r>
+          </a:p>
+          <a:p>
+            <a:r>
+              <a:rPr lang="ru-RU" dirty="0"/>
+              <a:t>Разработать процедуры итеративного создания программного обеспечения с помощью интегрированной среды разработки </a:t>
+            </a:r>
+            <a:r>
+              <a:rPr lang="en-US" dirty="0"/>
+              <a:t>Visual Studio </a:t>
+            </a:r>
+            <a:r>
+              <a:rPr lang="ru-RU" dirty="0"/>
+              <a:t>и системы управления версиями </a:t>
+            </a:r>
+            <a:r>
+              <a:rPr lang="en-US" dirty="0"/>
+              <a:t>Git</a:t>
+            </a:r>
+            <a:endParaRPr lang="ru-RU" dirty="0"/>
+          </a:p>
+          <a:p>
+            <a:r>
+              <a:rPr lang="ru-RU" dirty="0"/>
+              <a:t>Освоить механизмы сотрудничества для разработки программ через сайт </a:t>
+            </a:r>
+            <a:r>
+              <a:rPr lang="en-US" dirty="0"/>
+              <a:t>GitHub</a:t>
+            </a:r>
+          </a:p>
+          <a:p>
+            <a:r>
+              <a:rPr lang="ru-RU" dirty="0"/>
+              <a:t>Освоить дистанционные методы работы, становящиеся всё более актуальными, особенно в период пандемии</a:t>
+            </a:r>
+          </a:p>
+        </p:txBody>
+      </p:sp>
+    </p:spTree>
+    <p:extLst>
+      <p:ext uri="{BB962C8B-B14F-4D97-AF65-F5344CB8AC3E}">
+        <p14:creationId xmlns:p14="http://schemas.microsoft.com/office/powerpoint/2010/main" val="3966133412"/>
       </p:ext>
     </p:extLst>
   </p:cSld>

--- a/Формирование междисциплинарных тестовых заданий/Дипломная работа Лунева Л.М..pptx
+++ b/Формирование междисциплинарных тестовых заданий/Дипломная работа Лунева Л.М..pptx
@@ -7,6 +7,7 @@
   <p:sldIdLst>
     <p:sldId id="256" r:id="rId2"/>
     <p:sldId id="257" r:id="rId3"/>
+    <p:sldId id="258" r:id="rId4"/>
   </p:sldIdLst>
   <p:sldSz cx="12192000" cy="6858000"/>
   <p:notesSz cx="6858000" cy="9144000"/>
@@ -262,7 +263,7 @@
           <a:p>
             <a:fld id="{DA2D959B-00DB-4953-B5C8-84334DC8C2A3}" type="datetimeFigureOut">
               <a:rPr lang="ru-RU" smtClean="0"/>
-              <a:t>30.05.2021</a:t>
+              <a:t>31.05.2021</a:t>
             </a:fld>
             <a:endParaRPr lang="ru-RU"/>
           </a:p>
@@ -462,7 +463,7 @@
           <a:p>
             <a:fld id="{DA2D959B-00DB-4953-B5C8-84334DC8C2A3}" type="datetimeFigureOut">
               <a:rPr lang="ru-RU" smtClean="0"/>
-              <a:t>30.05.2021</a:t>
+              <a:t>31.05.2021</a:t>
             </a:fld>
             <a:endParaRPr lang="ru-RU"/>
           </a:p>
@@ -672,7 +673,7 @@
           <a:p>
             <a:fld id="{DA2D959B-00DB-4953-B5C8-84334DC8C2A3}" type="datetimeFigureOut">
               <a:rPr lang="ru-RU" smtClean="0"/>
-              <a:t>30.05.2021</a:t>
+              <a:t>31.05.2021</a:t>
             </a:fld>
             <a:endParaRPr lang="ru-RU"/>
           </a:p>
@@ -872,7 +873,7 @@
           <a:p>
             <a:fld id="{DA2D959B-00DB-4953-B5C8-84334DC8C2A3}" type="datetimeFigureOut">
               <a:rPr lang="ru-RU" smtClean="0"/>
-              <a:t>30.05.2021</a:t>
+              <a:t>31.05.2021</a:t>
             </a:fld>
             <a:endParaRPr lang="ru-RU"/>
           </a:p>
@@ -1148,7 +1149,7 @@
           <a:p>
             <a:fld id="{DA2D959B-00DB-4953-B5C8-84334DC8C2A3}" type="datetimeFigureOut">
               <a:rPr lang="ru-RU" smtClean="0"/>
-              <a:t>30.05.2021</a:t>
+              <a:t>31.05.2021</a:t>
             </a:fld>
             <a:endParaRPr lang="ru-RU"/>
           </a:p>
@@ -1416,7 +1417,7 @@
           <a:p>
             <a:fld id="{DA2D959B-00DB-4953-B5C8-84334DC8C2A3}" type="datetimeFigureOut">
               <a:rPr lang="ru-RU" smtClean="0"/>
-              <a:t>30.05.2021</a:t>
+              <a:t>31.05.2021</a:t>
             </a:fld>
             <a:endParaRPr lang="ru-RU"/>
           </a:p>
@@ -1831,7 +1832,7 @@
           <a:p>
             <a:fld id="{DA2D959B-00DB-4953-B5C8-84334DC8C2A3}" type="datetimeFigureOut">
               <a:rPr lang="ru-RU" smtClean="0"/>
-              <a:t>30.05.2021</a:t>
+              <a:t>31.05.2021</a:t>
             </a:fld>
             <a:endParaRPr lang="ru-RU"/>
           </a:p>
@@ -1973,7 +1974,7 @@
           <a:p>
             <a:fld id="{DA2D959B-00DB-4953-B5C8-84334DC8C2A3}" type="datetimeFigureOut">
               <a:rPr lang="ru-RU" smtClean="0"/>
-              <a:t>30.05.2021</a:t>
+              <a:t>31.05.2021</a:t>
             </a:fld>
             <a:endParaRPr lang="ru-RU"/>
           </a:p>
@@ -2086,7 +2087,7 @@
           <a:p>
             <a:fld id="{DA2D959B-00DB-4953-B5C8-84334DC8C2A3}" type="datetimeFigureOut">
               <a:rPr lang="ru-RU" smtClean="0"/>
-              <a:t>30.05.2021</a:t>
+              <a:t>31.05.2021</a:t>
             </a:fld>
             <a:endParaRPr lang="ru-RU"/>
           </a:p>
@@ -2399,7 +2400,7 @@
           <a:p>
             <a:fld id="{DA2D959B-00DB-4953-B5C8-84334DC8C2A3}" type="datetimeFigureOut">
               <a:rPr lang="ru-RU" smtClean="0"/>
-              <a:t>30.05.2021</a:t>
+              <a:t>31.05.2021</a:t>
             </a:fld>
             <a:endParaRPr lang="ru-RU"/>
           </a:p>
@@ -2688,7 +2689,7 @@
           <a:p>
             <a:fld id="{DA2D959B-00DB-4953-B5C8-84334DC8C2A3}" type="datetimeFigureOut">
               <a:rPr lang="ru-RU" smtClean="0"/>
-              <a:t>30.05.2021</a:t>
+              <a:t>31.05.2021</a:t>
             </a:fld>
             <a:endParaRPr lang="ru-RU"/>
           </a:p>
@@ -2931,7 +2932,7 @@
           <a:p>
             <a:fld id="{DA2D959B-00DB-4953-B5C8-84334DC8C2A3}" type="datetimeFigureOut">
               <a:rPr lang="ru-RU" smtClean="0"/>
-              <a:t>30.05.2021</a:t>
+              <a:t>31.05.2021</a:t>
             </a:fld>
             <a:endParaRPr lang="ru-RU"/>
           </a:p>
@@ -3642,6 +3643,114 @@
 </p:sld>
 </file>
 
+<file path=ppt/slides/slide3.xml><?xml version="1.0" encoding="utf-8"?>
+<p:sld xmlns:a="http://schemas.openxmlformats.org/drawingml/2006/main" xmlns:r="http://schemas.openxmlformats.org/officeDocument/2006/relationships" xmlns:p="http://schemas.openxmlformats.org/presentationml/2006/main">
+  <p:cSld>
+    <p:spTree>
+      <p:nvGrpSpPr>
+        <p:cNvPr id="1" name=""/>
+        <p:cNvGrpSpPr/>
+        <p:nvPr/>
+      </p:nvGrpSpPr>
+      <p:grpSpPr>
+        <a:xfrm>
+          <a:off x="0" y="0"/>
+          <a:ext cx="0" cy="0"/>
+          <a:chOff x="0" y="0"/>
+          <a:chExt cx="0" cy="0"/>
+        </a:xfrm>
+      </p:grpSpPr>
+      <p:sp>
+        <p:nvSpPr>
+          <p:cNvPr id="2" name="Заголовок 1">
+            <a:extLst>
+              <a:ext uri="{FF2B5EF4-FFF2-40B4-BE49-F238E27FC236}">
+                <a16:creationId xmlns:a16="http://schemas.microsoft.com/office/drawing/2014/main" id="{9D66BB23-DE1C-4C59-854A-E56FC1B96E2E}"/>
+              </a:ext>
+            </a:extLst>
+          </p:cNvPr>
+          <p:cNvSpPr>
+            <a:spLocks noGrp="1"/>
+          </p:cNvSpPr>
+          <p:nvPr>
+            <p:ph type="title"/>
+          </p:nvPr>
+        </p:nvSpPr>
+        <p:spPr/>
+        <p:txBody>
+          <a:bodyPr/>
+          <a:lstStyle/>
+          <a:p>
+            <a:r>
+              <a:rPr lang="ru-RU" dirty="0"/>
+              <a:t>Основные задачи Дипломного проекта</a:t>
+            </a:r>
+          </a:p>
+        </p:txBody>
+      </p:sp>
+      <p:sp>
+        <p:nvSpPr>
+          <p:cNvPr id="3" name="Объект 2">
+            <a:extLst>
+              <a:ext uri="{FF2B5EF4-FFF2-40B4-BE49-F238E27FC236}">
+                <a16:creationId xmlns:a16="http://schemas.microsoft.com/office/drawing/2014/main" id="{C10AF635-E66C-499C-89AA-7AA61EDDF54A}"/>
+              </a:ext>
+            </a:extLst>
+          </p:cNvPr>
+          <p:cNvSpPr>
+            <a:spLocks noGrp="1"/>
+          </p:cNvSpPr>
+          <p:nvPr>
+            <p:ph idx="1"/>
+          </p:nvPr>
+        </p:nvSpPr>
+        <p:spPr/>
+        <p:txBody>
+          <a:bodyPr>
+            <a:normAutofit lnSpcReduction="10000"/>
+          </a:bodyPr>
+          <a:lstStyle/>
+          <a:p>
+            <a:r>
+              <a:rPr lang="ru-RU" dirty="0"/>
+              <a:t>Начать разработку оригинального программного обеспечения, предназначенного для проверки знаний учащихся колледжа и работников предприятий с целью повышения качества учебного процесса</a:t>
+            </a:r>
+          </a:p>
+          <a:p>
+            <a:r>
+              <a:rPr lang="ru-RU" dirty="0"/>
+              <a:t>Освоить среду разработки с открытым кодом, позволяющую вести совместную разработку студентам колледжа и всем заинтересованным в данном виде программного обеспечения лицам</a:t>
+            </a:r>
+          </a:p>
+          <a:p>
+            <a:r>
+              <a:rPr lang="ru-RU" dirty="0"/>
+              <a:t>Оставить задел в виде кода программы на ресурсе </a:t>
+            </a:r>
+            <a:r>
+              <a:rPr lang="en-US" dirty="0"/>
+              <a:t>GitHub </a:t>
+            </a:r>
+            <a:r>
+              <a:rPr lang="ru-RU" dirty="0"/>
+              <a:t>для доработки программного обеспечения следующими поколениями студентов</a:t>
+            </a:r>
+          </a:p>
+        </p:txBody>
+      </p:sp>
+    </p:spTree>
+    <p:extLst>
+      <p:ext uri="{BB962C8B-B14F-4D97-AF65-F5344CB8AC3E}">
+        <p14:creationId xmlns:p14="http://schemas.microsoft.com/office/powerpoint/2010/main" val="2467426632"/>
+      </p:ext>
+    </p:extLst>
+  </p:cSld>
+  <p:clrMapOvr>
+    <a:masterClrMapping/>
+  </p:clrMapOvr>
+</p:sld>
+</file>
+
 <file path=ppt/theme/theme1.xml><?xml version="1.0" encoding="utf-8"?>
 <a:theme xmlns:a="http://schemas.openxmlformats.org/drawingml/2006/main" name="Office Theme">
   <a:themeElements>

--- a/Формирование междисциплинарных тестовых заданий/Дипломная работа Лунева Л.М..pptx
+++ b/Формирование междисциплинарных тестовых заданий/Дипломная работа Лунева Л.М..pptx
@@ -8,6 +8,7 @@
     <p:sldId id="256" r:id="rId2"/>
     <p:sldId id="257" r:id="rId3"/>
     <p:sldId id="258" r:id="rId4"/>
+    <p:sldId id="259" r:id="rId5"/>
   </p:sldIdLst>
   <p:sldSz cx="12192000" cy="6858000"/>
   <p:notesSz cx="6858000" cy="9144000"/>
@@ -3751,6 +3752,121 @@
 </p:sld>
 </file>
 
+<file path=ppt/slides/slide4.xml><?xml version="1.0" encoding="utf-8"?>
+<p:sld xmlns:a="http://schemas.openxmlformats.org/drawingml/2006/main" xmlns:r="http://schemas.openxmlformats.org/officeDocument/2006/relationships" xmlns:p="http://schemas.openxmlformats.org/presentationml/2006/main">
+  <p:cSld>
+    <p:spTree>
+      <p:nvGrpSpPr>
+        <p:cNvPr id="1" name=""/>
+        <p:cNvGrpSpPr/>
+        <p:nvPr/>
+      </p:nvGrpSpPr>
+      <p:grpSpPr>
+        <a:xfrm>
+          <a:off x="0" y="0"/>
+          <a:ext cx="0" cy="0"/>
+          <a:chOff x="0" y="0"/>
+          <a:chExt cx="0" cy="0"/>
+        </a:xfrm>
+      </p:grpSpPr>
+      <p:sp>
+        <p:nvSpPr>
+          <p:cNvPr id="2" name="Заголовок 1">
+            <a:extLst>
+              <a:ext uri="{FF2B5EF4-FFF2-40B4-BE49-F238E27FC236}">
+                <a16:creationId xmlns:a16="http://schemas.microsoft.com/office/drawing/2014/main" id="{7C865A1C-E1DC-4003-8002-ECA71B785B02}"/>
+              </a:ext>
+            </a:extLst>
+          </p:cNvPr>
+          <p:cNvSpPr>
+            <a:spLocks noGrp="1"/>
+          </p:cNvSpPr>
+          <p:nvPr>
+            <p:ph type="title"/>
+          </p:nvPr>
+        </p:nvSpPr>
+        <p:spPr/>
+        <p:txBody>
+          <a:bodyPr/>
+          <a:lstStyle/>
+          <a:p>
+            <a:r>
+              <a:rPr lang="ru-RU" dirty="0"/>
+              <a:t>Краткое описание предметной области</a:t>
+            </a:r>
+          </a:p>
+        </p:txBody>
+      </p:sp>
+      <p:sp>
+        <p:nvSpPr>
+          <p:cNvPr id="3" name="Объект 2">
+            <a:extLst>
+              <a:ext uri="{FF2B5EF4-FFF2-40B4-BE49-F238E27FC236}">
+                <a16:creationId xmlns:a16="http://schemas.microsoft.com/office/drawing/2014/main" id="{BEABBDF5-3576-4659-9C58-78F107A48955}"/>
+              </a:ext>
+            </a:extLst>
+          </p:cNvPr>
+          <p:cNvSpPr>
+            <a:spLocks noGrp="1"/>
+          </p:cNvSpPr>
+          <p:nvPr>
+            <p:ph idx="1"/>
+          </p:nvPr>
+        </p:nvSpPr>
+        <p:spPr/>
+        <p:txBody>
+          <a:bodyPr/>
+          <a:lstStyle/>
+          <a:p>
+            <a:r>
+              <a:rPr lang="ru-RU" dirty="0"/>
+              <a:t>Вопрос – ответ, общепринятая форма усвоения знаний</a:t>
+            </a:r>
+          </a:p>
+          <a:p>
+            <a:r>
+              <a:rPr lang="ru-RU" dirty="0"/>
+              <a:t>Повторенье – мать ученья</a:t>
+            </a:r>
+          </a:p>
+          <a:p>
+            <a:r>
+              <a:rPr lang="ru-RU" dirty="0"/>
+              <a:t>Широкое практическое использование тестов, ЕГЭ для школьников, изучение правил дорожного движения, правил техники безопасности, опросных листов, анкет</a:t>
+            </a:r>
+          </a:p>
+          <a:p>
+            <a:r>
+              <a:rPr lang="ru-RU" dirty="0"/>
+              <a:t>Широкая распространённость  компьютерных устройств, повсеместное наличие Интернета, наличие практических навыков использования компьютерного оборудования и сетей.</a:t>
+            </a:r>
+          </a:p>
+          <a:p>
+            <a:r>
+              <a:rPr lang="ru-RU" dirty="0"/>
+              <a:t>Установка на </a:t>
+            </a:r>
+            <a:r>
+              <a:rPr lang="ru-RU"/>
+              <a:t>цифровизацию образования</a:t>
+            </a:r>
+            <a:endParaRPr lang="ru-RU" dirty="0"/>
+          </a:p>
+        </p:txBody>
+      </p:sp>
+    </p:spTree>
+    <p:extLst>
+      <p:ext uri="{BB962C8B-B14F-4D97-AF65-F5344CB8AC3E}">
+        <p14:creationId xmlns:p14="http://schemas.microsoft.com/office/powerpoint/2010/main" val="1341287405"/>
+      </p:ext>
+    </p:extLst>
+  </p:cSld>
+  <p:clrMapOvr>
+    <a:masterClrMapping/>
+  </p:clrMapOvr>
+</p:sld>
+</file>
+
 <file path=ppt/theme/theme1.xml><?xml version="1.0" encoding="utf-8"?>
 <a:theme xmlns:a="http://schemas.openxmlformats.org/drawingml/2006/main" name="Office Theme">
   <a:themeElements>

--- a/Формирование междисциплинарных тестовых заданий/Дипломная работа Лунева Л.М..pptx
+++ b/Формирование междисциплинарных тестовых заданий/Дипломная работа Лунева Л.М..pptx
@@ -9,6 +9,7 @@
     <p:sldId id="257" r:id="rId3"/>
     <p:sldId id="258" r:id="rId4"/>
     <p:sldId id="259" r:id="rId5"/>
+    <p:sldId id="260" r:id="rId6"/>
   </p:sldIdLst>
   <p:sldSz cx="12192000" cy="6858000"/>
   <p:notesSz cx="6858000" cy="9144000"/>
@@ -3844,13 +3845,8 @@
           <a:p>
             <a:r>
               <a:rPr lang="ru-RU" dirty="0"/>
-              <a:t>Установка на </a:t>
-            </a:r>
-            <a:r>
-              <a:rPr lang="ru-RU"/>
-              <a:t>цифровизацию образования</a:t>
-            </a:r>
-            <a:endParaRPr lang="ru-RU" dirty="0"/>
+              <a:t>Установка на цифровизацию образования</a:t>
+            </a:r>
           </a:p>
         </p:txBody>
       </p:sp>
@@ -3858,6 +3854,138 @@
     <p:extLst>
       <p:ext uri="{BB962C8B-B14F-4D97-AF65-F5344CB8AC3E}">
         <p14:creationId xmlns:p14="http://schemas.microsoft.com/office/powerpoint/2010/main" val="1341287405"/>
+      </p:ext>
+    </p:extLst>
+  </p:cSld>
+  <p:clrMapOvr>
+    <a:masterClrMapping/>
+  </p:clrMapOvr>
+</p:sld>
+</file>
+
+<file path=ppt/slides/slide5.xml><?xml version="1.0" encoding="utf-8"?>
+<p:sld xmlns:a="http://schemas.openxmlformats.org/drawingml/2006/main" xmlns:r="http://schemas.openxmlformats.org/officeDocument/2006/relationships" xmlns:p="http://schemas.openxmlformats.org/presentationml/2006/main">
+  <p:cSld>
+    <p:spTree>
+      <p:nvGrpSpPr>
+        <p:cNvPr id="1" name=""/>
+        <p:cNvGrpSpPr/>
+        <p:nvPr/>
+      </p:nvGrpSpPr>
+      <p:grpSpPr>
+        <a:xfrm>
+          <a:off x="0" y="0"/>
+          <a:ext cx="0" cy="0"/>
+          <a:chOff x="0" y="0"/>
+          <a:chExt cx="0" cy="0"/>
+        </a:xfrm>
+      </p:grpSpPr>
+      <p:sp>
+        <p:nvSpPr>
+          <p:cNvPr id="2" name="Заголовок 1">
+            <a:extLst>
+              <a:ext uri="{FF2B5EF4-FFF2-40B4-BE49-F238E27FC236}">
+                <a16:creationId xmlns:a16="http://schemas.microsoft.com/office/drawing/2014/main" id="{E3F347B8-8A18-495B-A15D-4408BFCBE38B}"/>
+              </a:ext>
+            </a:extLst>
+          </p:cNvPr>
+          <p:cNvSpPr>
+            <a:spLocks noGrp="1"/>
+          </p:cNvSpPr>
+          <p:nvPr>
+            <p:ph type="title"/>
+          </p:nvPr>
+        </p:nvSpPr>
+        <p:spPr/>
+        <p:txBody>
+          <a:bodyPr/>
+          <a:lstStyle/>
+          <a:p>
+            <a:r>
+              <a:rPr lang="ru-RU" dirty="0"/>
+              <a:t>Анализ систем-аналогов</a:t>
+            </a:r>
+          </a:p>
+        </p:txBody>
+      </p:sp>
+      <p:sp>
+        <p:nvSpPr>
+          <p:cNvPr id="3" name="Объект 2">
+            <a:extLst>
+              <a:ext uri="{FF2B5EF4-FFF2-40B4-BE49-F238E27FC236}">
+                <a16:creationId xmlns:a16="http://schemas.microsoft.com/office/drawing/2014/main" id="{371FA0F7-50B2-4C30-8117-451BD56FA58B}"/>
+              </a:ext>
+            </a:extLst>
+          </p:cNvPr>
+          <p:cNvSpPr>
+            <a:spLocks noGrp="1"/>
+          </p:cNvSpPr>
+          <p:nvPr>
+            <p:ph idx="1"/>
+          </p:nvPr>
+        </p:nvSpPr>
+        <p:spPr/>
+        <p:txBody>
+          <a:bodyPr>
+            <a:normAutofit fontScale="92500"/>
+          </a:bodyPr>
+          <a:lstStyle/>
+          <a:p>
+            <a:r>
+              <a:rPr lang="ru-RU" dirty="0"/>
+              <a:t>Поисковые строки «Программы для составления тестов», «</a:t>
+            </a:r>
+            <a:r>
+              <a:rPr lang="en-US" dirty="0"/>
+              <a:t>test generator software</a:t>
+            </a:r>
+            <a:r>
+              <a:rPr lang="ru-RU" dirty="0"/>
+              <a:t>» дают множество ссылок</a:t>
+            </a:r>
+          </a:p>
+          <a:p>
+            <a:r>
+              <a:rPr lang="ru-RU" dirty="0"/>
+              <a:t>Программы, доступные для скачивания, онлайн тестирования</a:t>
+            </a:r>
+          </a:p>
+          <a:p>
+            <a:r>
+              <a:rPr lang="ru-RU" dirty="0"/>
+              <a:t>Для тестирования используются простые текстовые вопросы, изображения, видео</a:t>
+            </a:r>
+          </a:p>
+          <a:p>
+            <a:r>
+              <a:rPr lang="ru-RU" dirty="0"/>
+              <a:t>Варианты тестов с выбором правильного ответа, ввода нужных слов</a:t>
+            </a:r>
+          </a:p>
+          <a:p>
+            <a:r>
+              <a:rPr lang="ru-RU" dirty="0"/>
+              <a:t>Общий недостаток : для </a:t>
+            </a:r>
+            <a:r>
+              <a:rPr lang="ru-RU"/>
+              <a:t>расширенной функциональности платные</a:t>
+            </a:r>
+            <a:r>
+              <a:rPr lang="ru-RU" dirty="0"/>
+              <a:t>, изначально не предназначены для специализаций колледжа и завода</a:t>
+            </a:r>
+            <a:br>
+              <a:rPr lang="ru-RU" dirty="0"/>
+            </a:br>
+            <a:endParaRPr lang="ru-RU" dirty="0"/>
+          </a:p>
+        </p:txBody>
+      </p:sp>
+    </p:spTree>
+    <p:extLst>
+      <p:ext uri="{BB962C8B-B14F-4D97-AF65-F5344CB8AC3E}">
+        <p14:creationId xmlns:p14="http://schemas.microsoft.com/office/powerpoint/2010/main" val="3867563084"/>
       </p:ext>
     </p:extLst>
   </p:cSld>

--- a/Формирование междисциплинарных тестовых заданий/Дипломная работа Лунева Л.М..pptx
+++ b/Формирование междисциплинарных тестовых заданий/Дипломная работа Лунева Л.М..pptx
@@ -10,6 +10,7 @@
     <p:sldId id="258" r:id="rId4"/>
     <p:sldId id="259" r:id="rId5"/>
     <p:sldId id="260" r:id="rId6"/>
+    <p:sldId id="261" r:id="rId7"/>
   </p:sldIdLst>
   <p:sldSz cx="12192000" cy="6858000"/>
   <p:notesSz cx="6858000" cy="9144000"/>
@@ -3965,15 +3966,7 @@
           <a:p>
             <a:r>
               <a:rPr lang="ru-RU" dirty="0"/>
-              <a:t>Общий недостаток : для </a:t>
-            </a:r>
-            <a:r>
-              <a:rPr lang="ru-RU"/>
-              <a:t>расширенной функциональности платные</a:t>
-            </a:r>
-            <a:r>
-              <a:rPr lang="ru-RU" dirty="0"/>
-              <a:t>, изначально не предназначены для специализаций колледжа и завода</a:t>
+              <a:t>Общий недостаток : для расширенной функциональности платные, изначально не предназначены для специализаций колледжа и завода</a:t>
             </a:r>
             <a:br>
               <a:rPr lang="ru-RU" dirty="0"/>
@@ -3986,6 +3979,143 @@
     <p:extLst>
       <p:ext uri="{BB962C8B-B14F-4D97-AF65-F5344CB8AC3E}">
         <p14:creationId xmlns:p14="http://schemas.microsoft.com/office/powerpoint/2010/main" val="3867563084"/>
+      </p:ext>
+    </p:extLst>
+  </p:cSld>
+  <p:clrMapOvr>
+    <a:masterClrMapping/>
+  </p:clrMapOvr>
+</p:sld>
+</file>
+
+<file path=ppt/slides/slide6.xml><?xml version="1.0" encoding="utf-8"?>
+<p:sld xmlns:a="http://schemas.openxmlformats.org/drawingml/2006/main" xmlns:r="http://schemas.openxmlformats.org/officeDocument/2006/relationships" xmlns:p="http://schemas.openxmlformats.org/presentationml/2006/main">
+  <p:cSld>
+    <p:spTree>
+      <p:nvGrpSpPr>
+        <p:cNvPr id="1" name=""/>
+        <p:cNvGrpSpPr/>
+        <p:nvPr/>
+      </p:nvGrpSpPr>
+      <p:grpSpPr>
+        <a:xfrm>
+          <a:off x="0" y="0"/>
+          <a:ext cx="0" cy="0"/>
+          <a:chOff x="0" y="0"/>
+          <a:chExt cx="0" cy="0"/>
+        </a:xfrm>
+      </p:grpSpPr>
+      <p:sp>
+        <p:nvSpPr>
+          <p:cNvPr id="2" name="Заголовок 1">
+            <a:extLst>
+              <a:ext uri="{FF2B5EF4-FFF2-40B4-BE49-F238E27FC236}">
+                <a16:creationId xmlns:a16="http://schemas.microsoft.com/office/drawing/2014/main" id="{DC3BCC85-CD65-413C-9BA3-D91ACEDB807D}"/>
+              </a:ext>
+            </a:extLst>
+          </p:cNvPr>
+          <p:cNvSpPr>
+            <a:spLocks noGrp="1"/>
+          </p:cNvSpPr>
+          <p:nvPr>
+            <p:ph type="title"/>
+          </p:nvPr>
+        </p:nvSpPr>
+        <p:spPr/>
+        <p:txBody>
+          <a:bodyPr/>
+          <a:lstStyle/>
+          <a:p>
+            <a:r>
+              <a:rPr lang="ru-RU" dirty="0"/>
+              <a:t>Каскадное  проектирование</a:t>
+            </a:r>
+          </a:p>
+        </p:txBody>
+      </p:sp>
+      <p:sp>
+        <p:nvSpPr>
+          <p:cNvPr id="3" name="Объект 2">
+            <a:extLst>
+              <a:ext uri="{FF2B5EF4-FFF2-40B4-BE49-F238E27FC236}">
+                <a16:creationId xmlns:a16="http://schemas.microsoft.com/office/drawing/2014/main" id="{DADF253E-EC33-4E67-9614-4836122DB652}"/>
+              </a:ext>
+            </a:extLst>
+          </p:cNvPr>
+          <p:cNvSpPr>
+            <a:spLocks noGrp="1"/>
+          </p:cNvSpPr>
+          <p:nvPr>
+            <p:ph idx="1"/>
+          </p:nvPr>
+        </p:nvSpPr>
+        <p:spPr/>
+        <p:txBody>
+          <a:bodyPr>
+            <a:normAutofit lnSpcReduction="10000"/>
+          </a:bodyPr>
+          <a:lstStyle/>
+          <a:p>
+            <a:pPr marL="0" indent="0">
+              <a:buNone/>
+            </a:pPr>
+            <a:r>
+              <a:rPr lang="ru-RU" dirty="0"/>
+              <a:t>Каскадное проектирование включает в себя стадии: </a:t>
+            </a:r>
+          </a:p>
+          <a:p>
+            <a:r>
+              <a:rPr lang="ru-RU" dirty="0"/>
+              <a:t> Полный анализ всех требований к программе </a:t>
+            </a:r>
+          </a:p>
+          <a:p>
+            <a:r>
+              <a:rPr lang="ru-RU" dirty="0"/>
+              <a:t> Составление полного проекта, с учётом всех требований</a:t>
+            </a:r>
+          </a:p>
+          <a:p>
+            <a:r>
+              <a:rPr lang="ru-RU" dirty="0"/>
+              <a:t> Кодирование всего проекта, согласно полной спецификации</a:t>
+            </a:r>
+          </a:p>
+          <a:p>
+            <a:r>
+              <a:rPr lang="ru-RU" dirty="0"/>
+              <a:t> Тестирование всего проекта</a:t>
+            </a:r>
+            <a:br>
+              <a:rPr lang="ru-RU" dirty="0"/>
+            </a:br>
+            <a:br>
+              <a:rPr lang="ru-RU" dirty="0"/>
+            </a:br>
+            <a:r>
+              <a:rPr lang="ru-RU" dirty="0"/>
+              <a:t>Мы прибегнем к итеративному проектированию, нашей задачей будет при первой итерации сделать работоспособную программу,</a:t>
+            </a:r>
+            <a:br>
+              <a:rPr lang="ru-RU" dirty="0"/>
+            </a:br>
+            <a:r>
+              <a:rPr lang="ru-RU" dirty="0"/>
+              <a:t>которая воплотит часть заявленных требований к программе, полное воплощение требований – задача </a:t>
+            </a:r>
+            <a:r>
+              <a:rPr lang="ru-RU"/>
+              <a:t>следующих итераций.</a:t>
+            </a:r>
+            <a:endParaRPr lang="ru-RU" dirty="0"/>
+          </a:p>
+        </p:txBody>
+      </p:sp>
+    </p:spTree>
+    <p:extLst>
+      <p:ext uri="{BB962C8B-B14F-4D97-AF65-F5344CB8AC3E}">
+        <p14:creationId xmlns:p14="http://schemas.microsoft.com/office/powerpoint/2010/main" val="1969188619"/>
       </p:ext>
     </p:extLst>
   </p:cSld>

--- a/Формирование междисциплинарных тестовых заданий/Дипломная работа Лунева Л.М..pptx
+++ b/Формирование междисциплинарных тестовых заданий/Дипломная работа Лунева Л.М..pptx
@@ -11,6 +11,7 @@
     <p:sldId id="259" r:id="rId5"/>
     <p:sldId id="260" r:id="rId6"/>
     <p:sldId id="261" r:id="rId7"/>
+    <p:sldId id="262" r:id="rId8"/>
   </p:sldIdLst>
   <p:sldSz cx="12192000" cy="6858000"/>
   <p:notesSz cx="6858000" cy="9144000"/>
@@ -4052,7 +4053,7 @@
         <p:spPr/>
         <p:txBody>
           <a:bodyPr>
-            <a:normAutofit lnSpcReduction="10000"/>
+            <a:normAutofit/>
           </a:bodyPr>
           <a:lstStyle/>
           <a:p>
@@ -4095,18 +4096,11 @@
             </a:br>
             <a:r>
               <a:rPr lang="ru-RU" dirty="0"/>
-              <a:t>Мы прибегнем к итеративному проектированию, нашей задачей будет при первой итерации сделать работоспособную программу,</a:t>
-            </a:r>
-            <a:br>
-              <a:rPr lang="ru-RU" dirty="0"/>
-            </a:br>
-            <a:r>
-              <a:rPr lang="ru-RU" dirty="0"/>
-              <a:t>которая воплотит часть заявленных требований к программе, полное воплощение требований – задача </a:t>
-            </a:r>
-            <a:r>
-              <a:rPr lang="ru-RU"/>
-              <a:t>следующих итераций.</a:t>
+              <a:t>Мы прибегнем к итеративному проектированию</a:t>
+            </a:r>
+            <a:r>
+              <a:rPr lang="en-US" dirty="0"/>
+              <a:t>!</a:t>
             </a:r>
             <a:endParaRPr lang="ru-RU" dirty="0"/>
           </a:p>
@@ -4116,6 +4110,126 @@
     <p:extLst>
       <p:ext uri="{BB962C8B-B14F-4D97-AF65-F5344CB8AC3E}">
         <p14:creationId xmlns:p14="http://schemas.microsoft.com/office/powerpoint/2010/main" val="1969188619"/>
+      </p:ext>
+    </p:extLst>
+  </p:cSld>
+  <p:clrMapOvr>
+    <a:masterClrMapping/>
+  </p:clrMapOvr>
+</p:sld>
+</file>
+
+<file path=ppt/slides/slide7.xml><?xml version="1.0" encoding="utf-8"?>
+<p:sld xmlns:a="http://schemas.openxmlformats.org/drawingml/2006/main" xmlns:r="http://schemas.openxmlformats.org/officeDocument/2006/relationships" xmlns:p="http://schemas.openxmlformats.org/presentationml/2006/main">
+  <p:cSld>
+    <p:spTree>
+      <p:nvGrpSpPr>
+        <p:cNvPr id="1" name=""/>
+        <p:cNvGrpSpPr/>
+        <p:nvPr/>
+      </p:nvGrpSpPr>
+      <p:grpSpPr>
+        <a:xfrm>
+          <a:off x="0" y="0"/>
+          <a:ext cx="0" cy="0"/>
+          <a:chOff x="0" y="0"/>
+          <a:chExt cx="0" cy="0"/>
+        </a:xfrm>
+      </p:grpSpPr>
+      <p:sp>
+        <p:nvSpPr>
+          <p:cNvPr id="2" name="Title 1">
+            <a:extLst>
+              <a:ext uri="{FF2B5EF4-FFF2-40B4-BE49-F238E27FC236}">
+                <a16:creationId xmlns:a16="http://schemas.microsoft.com/office/drawing/2014/main" id="{32FEF55F-F57F-4C78-8CFF-E70932B8BE27}"/>
+              </a:ext>
+            </a:extLst>
+          </p:cNvPr>
+          <p:cNvSpPr>
+            <a:spLocks noGrp="1"/>
+          </p:cNvSpPr>
+          <p:nvPr>
+            <p:ph type="title"/>
+          </p:nvPr>
+        </p:nvSpPr>
+        <p:spPr/>
+        <p:txBody>
+          <a:bodyPr/>
+          <a:lstStyle/>
+          <a:p>
+            <a:r>
+              <a:rPr lang="ru-RU" dirty="0"/>
+              <a:t>Итеративное проектирование</a:t>
+            </a:r>
+          </a:p>
+        </p:txBody>
+      </p:sp>
+      <p:sp>
+        <p:nvSpPr>
+          <p:cNvPr id="3" name="Content Placeholder 2">
+            <a:extLst>
+              <a:ext uri="{FF2B5EF4-FFF2-40B4-BE49-F238E27FC236}">
+                <a16:creationId xmlns:a16="http://schemas.microsoft.com/office/drawing/2014/main" id="{368D2F97-3A1D-406B-B6BF-BCF63569E9A4}"/>
+              </a:ext>
+            </a:extLst>
+          </p:cNvPr>
+          <p:cNvSpPr>
+            <a:spLocks noGrp="1"/>
+          </p:cNvSpPr>
+          <p:nvPr>
+            <p:ph idx="1"/>
+          </p:nvPr>
+        </p:nvSpPr>
+        <p:spPr/>
+        <p:txBody>
+          <a:bodyPr>
+            <a:normAutofit/>
+          </a:bodyPr>
+          <a:lstStyle/>
+          <a:p>
+            <a:r>
+              <a:rPr lang="ru-RU" dirty="0"/>
+              <a:t>Задача  первой итерации: </a:t>
+            </a:r>
+            <a:br>
+              <a:rPr lang="ru-RU" dirty="0"/>
+            </a:br>
+            <a:r>
+              <a:rPr lang="ru-RU" dirty="0"/>
+              <a:t>сделать работоспособную программу, которая воплотит основополагающую часть заявленных требований к программе,</a:t>
+            </a:r>
+            <a:br>
+              <a:rPr lang="ru-RU" dirty="0"/>
+            </a:br>
+            <a:r>
+              <a:rPr lang="ru-RU" dirty="0"/>
+              <a:t>обеспечит  возможность вставлять, удалять и корректировать тесты, то есть наборы вопросов и ответов на них по разным учебным дисциплинам</a:t>
+            </a:r>
+          </a:p>
+          <a:p>
+            <a:r>
+              <a:rPr lang="ru-RU" dirty="0"/>
+              <a:t>Задача последующих итераций:</a:t>
+            </a:r>
+            <a:br>
+              <a:rPr lang="ru-RU" dirty="0"/>
+            </a:br>
+            <a:r>
+              <a:rPr lang="ru-RU" dirty="0"/>
+              <a:t>на основе первой итерации обеспечить вход в программу по логину/паролю, проставлять, хранить и просматривать оценки по тестам, формировать ведомость группы в документах </a:t>
+            </a:r>
+            <a:r>
+              <a:rPr lang="en-US" dirty="0"/>
+              <a:t>Word/Excel</a:t>
+            </a:r>
+            <a:endParaRPr lang="ru-RU" dirty="0"/>
+          </a:p>
+        </p:txBody>
+      </p:sp>
+    </p:spTree>
+    <p:extLst>
+      <p:ext uri="{BB962C8B-B14F-4D97-AF65-F5344CB8AC3E}">
+        <p14:creationId xmlns:p14="http://schemas.microsoft.com/office/powerpoint/2010/main" val="3513525903"/>
       </p:ext>
     </p:extLst>
   </p:cSld>

--- a/Формирование междисциплинарных тестовых заданий/Дипломная работа Лунева Л.М..pptx
+++ b/Формирование междисциплинарных тестовых заданий/Дипломная работа Лунева Л.М..pptx
@@ -12,6 +12,7 @@
     <p:sldId id="260" r:id="rId6"/>
     <p:sldId id="261" r:id="rId7"/>
     <p:sldId id="262" r:id="rId8"/>
+    <p:sldId id="263" r:id="rId9"/>
   </p:sldIdLst>
   <p:sldSz cx="12192000" cy="6858000"/>
   <p:notesSz cx="6858000" cy="9144000"/>
@@ -267,7 +268,7 @@
           <a:p>
             <a:fld id="{DA2D959B-00DB-4953-B5C8-84334DC8C2A3}" type="datetimeFigureOut">
               <a:rPr lang="ru-RU" smtClean="0"/>
-              <a:t>31.05.2021</a:t>
+              <a:t>01.06.2021</a:t>
             </a:fld>
             <a:endParaRPr lang="ru-RU"/>
           </a:p>
@@ -467,7 +468,7 @@
           <a:p>
             <a:fld id="{DA2D959B-00DB-4953-B5C8-84334DC8C2A3}" type="datetimeFigureOut">
               <a:rPr lang="ru-RU" smtClean="0"/>
-              <a:t>31.05.2021</a:t>
+              <a:t>01.06.2021</a:t>
             </a:fld>
             <a:endParaRPr lang="ru-RU"/>
           </a:p>
@@ -677,7 +678,7 @@
           <a:p>
             <a:fld id="{DA2D959B-00DB-4953-B5C8-84334DC8C2A3}" type="datetimeFigureOut">
               <a:rPr lang="ru-RU" smtClean="0"/>
-              <a:t>31.05.2021</a:t>
+              <a:t>01.06.2021</a:t>
             </a:fld>
             <a:endParaRPr lang="ru-RU"/>
           </a:p>
@@ -877,7 +878,7 @@
           <a:p>
             <a:fld id="{DA2D959B-00DB-4953-B5C8-84334DC8C2A3}" type="datetimeFigureOut">
               <a:rPr lang="ru-RU" smtClean="0"/>
-              <a:t>31.05.2021</a:t>
+              <a:t>01.06.2021</a:t>
             </a:fld>
             <a:endParaRPr lang="ru-RU"/>
           </a:p>
@@ -1153,7 +1154,7 @@
           <a:p>
             <a:fld id="{DA2D959B-00DB-4953-B5C8-84334DC8C2A3}" type="datetimeFigureOut">
               <a:rPr lang="ru-RU" smtClean="0"/>
-              <a:t>31.05.2021</a:t>
+              <a:t>01.06.2021</a:t>
             </a:fld>
             <a:endParaRPr lang="ru-RU"/>
           </a:p>
@@ -1421,7 +1422,7 @@
           <a:p>
             <a:fld id="{DA2D959B-00DB-4953-B5C8-84334DC8C2A3}" type="datetimeFigureOut">
               <a:rPr lang="ru-RU" smtClean="0"/>
-              <a:t>31.05.2021</a:t>
+              <a:t>01.06.2021</a:t>
             </a:fld>
             <a:endParaRPr lang="ru-RU"/>
           </a:p>
@@ -1836,7 +1837,7 @@
           <a:p>
             <a:fld id="{DA2D959B-00DB-4953-B5C8-84334DC8C2A3}" type="datetimeFigureOut">
               <a:rPr lang="ru-RU" smtClean="0"/>
-              <a:t>31.05.2021</a:t>
+              <a:t>01.06.2021</a:t>
             </a:fld>
             <a:endParaRPr lang="ru-RU"/>
           </a:p>
@@ -1978,7 +1979,7 @@
           <a:p>
             <a:fld id="{DA2D959B-00DB-4953-B5C8-84334DC8C2A3}" type="datetimeFigureOut">
               <a:rPr lang="ru-RU" smtClean="0"/>
-              <a:t>31.05.2021</a:t>
+              <a:t>01.06.2021</a:t>
             </a:fld>
             <a:endParaRPr lang="ru-RU"/>
           </a:p>
@@ -2091,7 +2092,7 @@
           <a:p>
             <a:fld id="{DA2D959B-00DB-4953-B5C8-84334DC8C2A3}" type="datetimeFigureOut">
               <a:rPr lang="ru-RU" smtClean="0"/>
-              <a:t>31.05.2021</a:t>
+              <a:t>01.06.2021</a:t>
             </a:fld>
             <a:endParaRPr lang="ru-RU"/>
           </a:p>
@@ -2404,7 +2405,7 @@
           <a:p>
             <a:fld id="{DA2D959B-00DB-4953-B5C8-84334DC8C2A3}" type="datetimeFigureOut">
               <a:rPr lang="ru-RU" smtClean="0"/>
-              <a:t>31.05.2021</a:t>
+              <a:t>01.06.2021</a:t>
             </a:fld>
             <a:endParaRPr lang="ru-RU"/>
           </a:p>
@@ -2693,7 +2694,7 @@
           <a:p>
             <a:fld id="{DA2D959B-00DB-4953-B5C8-84334DC8C2A3}" type="datetimeFigureOut">
               <a:rPr lang="ru-RU" smtClean="0"/>
-              <a:t>31.05.2021</a:t>
+              <a:t>01.06.2021</a:t>
             </a:fld>
             <a:endParaRPr lang="ru-RU"/>
           </a:p>
@@ -2936,7 +2937,7 @@
           <a:p>
             <a:fld id="{DA2D959B-00DB-4953-B5C8-84334DC8C2A3}" type="datetimeFigureOut">
               <a:rPr lang="ru-RU" smtClean="0"/>
-              <a:t>31.05.2021</a:t>
+              <a:t>01.06.2021</a:t>
             </a:fld>
             <a:endParaRPr lang="ru-RU"/>
           </a:p>
@@ -4239,6 +4240,421 @@
 </p:sld>
 </file>
 
+<file path=ppt/slides/slide8.xml><?xml version="1.0" encoding="utf-8"?>
+<p:sld xmlns:a="http://schemas.openxmlformats.org/drawingml/2006/main" xmlns:r="http://schemas.openxmlformats.org/officeDocument/2006/relationships" xmlns:p="http://schemas.openxmlformats.org/presentationml/2006/main">
+  <p:cSld>
+    <p:spTree>
+      <p:nvGrpSpPr>
+        <p:cNvPr id="1" name=""/>
+        <p:cNvGrpSpPr/>
+        <p:nvPr/>
+      </p:nvGrpSpPr>
+      <p:grpSpPr>
+        <a:xfrm>
+          <a:off x="0" y="0"/>
+          <a:ext cx="0" cy="0"/>
+          <a:chOff x="0" y="0"/>
+          <a:chExt cx="0" cy="0"/>
+        </a:xfrm>
+      </p:grpSpPr>
+      <p:sp>
+        <p:nvSpPr>
+          <p:cNvPr id="5" name="Стрелка: вниз 4">
+            <a:extLst>
+              <a:ext uri="{FF2B5EF4-FFF2-40B4-BE49-F238E27FC236}">
+                <a16:creationId xmlns:a16="http://schemas.microsoft.com/office/drawing/2014/main" id="{66FDA226-6AF8-46DC-BEC0-29FC62672243}"/>
+              </a:ext>
+            </a:extLst>
+          </p:cNvPr>
+          <p:cNvSpPr/>
+          <p:nvPr/>
+        </p:nvSpPr>
+        <p:spPr>
+          <a:xfrm>
+            <a:off x="5854815" y="2754248"/>
+            <a:ext cx="208722" cy="546652"/>
+          </a:xfrm>
+          <a:prstGeom prst="downArrow">
+            <a:avLst/>
+          </a:prstGeom>
+        </p:spPr>
+        <p:style>
+          <a:lnRef idx="2">
+            <a:schemeClr val="accent1">
+              <a:shade val="50000"/>
+            </a:schemeClr>
+          </a:lnRef>
+          <a:fillRef idx="1">
+            <a:schemeClr val="accent1"/>
+          </a:fillRef>
+          <a:effectRef idx="0">
+            <a:schemeClr val="accent1"/>
+          </a:effectRef>
+          <a:fontRef idx="minor">
+            <a:schemeClr val="lt1"/>
+          </a:fontRef>
+        </p:style>
+        <p:txBody>
+          <a:bodyPr rtlCol="0" anchor="ctr"/>
+          <a:lstStyle/>
+          <a:p>
+            <a:pPr algn="ctr"/>
+            <a:endParaRPr lang="ru-RU"/>
+          </a:p>
+        </p:txBody>
+      </p:sp>
+      <p:sp>
+        <p:nvSpPr>
+          <p:cNvPr id="6" name="Стрелка: вниз 5">
+            <a:extLst>
+              <a:ext uri="{FF2B5EF4-FFF2-40B4-BE49-F238E27FC236}">
+                <a16:creationId xmlns:a16="http://schemas.microsoft.com/office/drawing/2014/main" id="{C715F120-AA89-4BF4-A90D-C1165029C119}"/>
+              </a:ext>
+            </a:extLst>
+          </p:cNvPr>
+          <p:cNvSpPr/>
+          <p:nvPr/>
+        </p:nvSpPr>
+        <p:spPr>
+          <a:xfrm rot="10800000">
+            <a:off x="6205998" y="2754248"/>
+            <a:ext cx="208722" cy="546652"/>
+          </a:xfrm>
+          <a:prstGeom prst="downArrow">
+            <a:avLst/>
+          </a:prstGeom>
+        </p:spPr>
+        <p:style>
+          <a:lnRef idx="2">
+            <a:schemeClr val="accent1">
+              <a:shade val="50000"/>
+            </a:schemeClr>
+          </a:lnRef>
+          <a:fillRef idx="1">
+            <a:schemeClr val="accent1"/>
+          </a:fillRef>
+          <a:effectRef idx="0">
+            <a:schemeClr val="accent1"/>
+          </a:effectRef>
+          <a:fontRef idx="minor">
+            <a:schemeClr val="lt1"/>
+          </a:fontRef>
+        </p:style>
+        <p:txBody>
+          <a:bodyPr rtlCol="0" anchor="ctr"/>
+          <a:lstStyle/>
+          <a:p>
+            <a:pPr algn="ctr"/>
+            <a:endParaRPr lang="ru-RU"/>
+          </a:p>
+        </p:txBody>
+      </p:sp>
+      <p:sp>
+        <p:nvSpPr>
+          <p:cNvPr id="7" name="Стрелка: вниз 6">
+            <a:extLst>
+              <a:ext uri="{FF2B5EF4-FFF2-40B4-BE49-F238E27FC236}">
+                <a16:creationId xmlns:a16="http://schemas.microsoft.com/office/drawing/2014/main" id="{BEFB00A5-DE2B-4F61-B1F3-892D7B012056}"/>
+              </a:ext>
+            </a:extLst>
+          </p:cNvPr>
+          <p:cNvSpPr/>
+          <p:nvPr/>
+        </p:nvSpPr>
+        <p:spPr>
+          <a:xfrm>
+            <a:off x="5854815" y="4778518"/>
+            <a:ext cx="208722" cy="546652"/>
+          </a:xfrm>
+          <a:prstGeom prst="downArrow">
+            <a:avLst/>
+          </a:prstGeom>
+        </p:spPr>
+        <p:style>
+          <a:lnRef idx="2">
+            <a:schemeClr val="accent1">
+              <a:shade val="50000"/>
+            </a:schemeClr>
+          </a:lnRef>
+          <a:fillRef idx="1">
+            <a:schemeClr val="accent1"/>
+          </a:fillRef>
+          <a:effectRef idx="0">
+            <a:schemeClr val="accent1"/>
+          </a:effectRef>
+          <a:fontRef idx="minor">
+            <a:schemeClr val="lt1"/>
+          </a:fontRef>
+        </p:style>
+        <p:txBody>
+          <a:bodyPr rtlCol="0" anchor="ctr"/>
+          <a:lstStyle/>
+          <a:p>
+            <a:pPr algn="ctr"/>
+            <a:endParaRPr lang="ru-RU"/>
+          </a:p>
+        </p:txBody>
+      </p:sp>
+      <p:sp>
+        <p:nvSpPr>
+          <p:cNvPr id="8" name="Стрелка: вниз 7">
+            <a:extLst>
+              <a:ext uri="{FF2B5EF4-FFF2-40B4-BE49-F238E27FC236}">
+                <a16:creationId xmlns:a16="http://schemas.microsoft.com/office/drawing/2014/main" id="{D3BE75DD-79CF-404D-97E5-BADDDE418EEE}"/>
+              </a:ext>
+            </a:extLst>
+          </p:cNvPr>
+          <p:cNvSpPr/>
+          <p:nvPr/>
+        </p:nvSpPr>
+        <p:spPr>
+          <a:xfrm rot="10800000">
+            <a:off x="6205998" y="4778518"/>
+            <a:ext cx="208722" cy="546652"/>
+          </a:xfrm>
+          <a:prstGeom prst="downArrow">
+            <a:avLst/>
+          </a:prstGeom>
+        </p:spPr>
+        <p:style>
+          <a:lnRef idx="2">
+            <a:schemeClr val="accent1">
+              <a:shade val="50000"/>
+            </a:schemeClr>
+          </a:lnRef>
+          <a:fillRef idx="1">
+            <a:schemeClr val="accent1"/>
+          </a:fillRef>
+          <a:effectRef idx="0">
+            <a:schemeClr val="accent1"/>
+          </a:effectRef>
+          <a:fontRef idx="minor">
+            <a:schemeClr val="lt1"/>
+          </a:fontRef>
+        </p:style>
+        <p:txBody>
+          <a:bodyPr rtlCol="0" anchor="ctr"/>
+          <a:lstStyle/>
+          <a:p>
+            <a:pPr algn="ctr"/>
+            <a:endParaRPr lang="ru-RU"/>
+          </a:p>
+        </p:txBody>
+      </p:sp>
+      <p:sp>
+        <p:nvSpPr>
+          <p:cNvPr id="10" name="TextBox 9">
+            <a:extLst>
+              <a:ext uri="{FF2B5EF4-FFF2-40B4-BE49-F238E27FC236}">
+                <a16:creationId xmlns:a16="http://schemas.microsoft.com/office/drawing/2014/main" id="{B88608C4-8A35-4BEC-A65E-C0BBEFEC9150}"/>
+              </a:ext>
+            </a:extLst>
+          </p:cNvPr>
+          <p:cNvSpPr txBox="1"/>
+          <p:nvPr/>
+        </p:nvSpPr>
+        <p:spPr>
+          <a:xfrm>
+            <a:off x="1151283" y="178904"/>
+            <a:ext cx="9889434" cy="1323439"/>
+          </a:xfrm>
+          <a:prstGeom prst="rect">
+            <a:avLst/>
+          </a:prstGeom>
+          <a:noFill/>
+        </p:spPr>
+        <p:txBody>
+          <a:bodyPr wrap="square" rtlCol="0">
+            <a:spAutoFit/>
+          </a:bodyPr>
+          <a:lstStyle/>
+          <a:p>
+            <a:pPr algn="ctr"/>
+            <a:r>
+              <a:rPr lang="ru-RU" sz="4000" dirty="0"/>
+              <a:t>Структурная схема программного обеспечения</a:t>
+            </a:r>
+          </a:p>
+        </p:txBody>
+      </p:sp>
+      <p:sp>
+        <p:nvSpPr>
+          <p:cNvPr id="13" name="TextBox 12">
+            <a:extLst>
+              <a:ext uri="{FF2B5EF4-FFF2-40B4-BE49-F238E27FC236}">
+                <a16:creationId xmlns:a16="http://schemas.microsoft.com/office/drawing/2014/main" id="{9AAA14D3-8E74-4300-A5C9-9EA8044F9A7C}"/>
+              </a:ext>
+            </a:extLst>
+          </p:cNvPr>
+          <p:cNvSpPr txBox="1"/>
+          <p:nvPr/>
+        </p:nvSpPr>
+        <p:spPr>
+          <a:xfrm>
+            <a:off x="1808922" y="1580397"/>
+            <a:ext cx="8334765" cy="1077218"/>
+          </a:xfrm>
+          <a:prstGeom prst="rect">
+            <a:avLst/>
+          </a:prstGeom>
+          <a:noFill/>
+          <a:ln w="28575">
+            <a:solidFill>
+              <a:schemeClr val="tx1"/>
+            </a:solidFill>
+          </a:ln>
+        </p:spPr>
+        <p:txBody>
+          <a:bodyPr wrap="square" rtlCol="0">
+            <a:spAutoFit/>
+          </a:bodyPr>
+          <a:lstStyle/>
+          <a:p>
+            <a:pPr algn="ctr"/>
+            <a:r>
+              <a:rPr lang="ru-RU" sz="3200" dirty="0"/>
+              <a:t>Графический интерфейс пользователя:</a:t>
+            </a:r>
+            <a:br>
+              <a:rPr lang="ru-RU" sz="3200" dirty="0"/>
+            </a:br>
+            <a:r>
+              <a:rPr lang="ru-RU" sz="3200" dirty="0"/>
+              <a:t>форма </a:t>
+            </a:r>
+            <a:r>
+              <a:rPr lang="en-US" sz="3200" dirty="0"/>
+              <a:t>WPF </a:t>
+            </a:r>
+            <a:r>
+              <a:rPr lang="ru-RU" sz="3200" dirty="0"/>
+              <a:t>с элементами управления</a:t>
+            </a:r>
+          </a:p>
+        </p:txBody>
+      </p:sp>
+      <p:sp>
+        <p:nvSpPr>
+          <p:cNvPr id="14" name="TextBox 13">
+            <a:extLst>
+              <a:ext uri="{FF2B5EF4-FFF2-40B4-BE49-F238E27FC236}">
+                <a16:creationId xmlns:a16="http://schemas.microsoft.com/office/drawing/2014/main" id="{E6739074-245E-4458-AD6B-1F99C269E2F0}"/>
+              </a:ext>
+            </a:extLst>
+          </p:cNvPr>
+          <p:cNvSpPr txBox="1"/>
+          <p:nvPr/>
+        </p:nvSpPr>
+        <p:spPr>
+          <a:xfrm>
+            <a:off x="1808921" y="3557101"/>
+            <a:ext cx="8334765" cy="1077218"/>
+          </a:xfrm>
+          <a:prstGeom prst="rect">
+            <a:avLst/>
+          </a:prstGeom>
+          <a:noFill/>
+          <a:ln w="28575">
+            <a:solidFill>
+              <a:schemeClr val="tx1"/>
+            </a:solidFill>
+          </a:ln>
+        </p:spPr>
+        <p:txBody>
+          <a:bodyPr wrap="square" rtlCol="0">
+            <a:spAutoFit/>
+          </a:bodyPr>
+          <a:lstStyle/>
+          <a:p>
+            <a:pPr algn="ctr"/>
+            <a:r>
+              <a:rPr lang="ru-RU" sz="3200" dirty="0"/>
+              <a:t>Пользовательские классы сущностей :</a:t>
+            </a:r>
+            <a:br>
+              <a:rPr lang="ru-RU" sz="3200" dirty="0"/>
+            </a:br>
+            <a:r>
+              <a:rPr lang="ru-RU" sz="3200" dirty="0"/>
+              <a:t>файлы с классами на языке </a:t>
+            </a:r>
+            <a:r>
+              <a:rPr lang="en-US" sz="3200" dirty="0"/>
+              <a:t>C#</a:t>
+            </a:r>
+            <a:endParaRPr lang="ru-RU" sz="3200" dirty="0"/>
+          </a:p>
+        </p:txBody>
+      </p:sp>
+      <p:sp>
+        <p:nvSpPr>
+          <p:cNvPr id="15" name="TextBox 14">
+            <a:extLst>
+              <a:ext uri="{FF2B5EF4-FFF2-40B4-BE49-F238E27FC236}">
+                <a16:creationId xmlns:a16="http://schemas.microsoft.com/office/drawing/2014/main" id="{58B51A0A-7DC1-4A4C-AE0B-1ACE7352430E}"/>
+              </a:ext>
+            </a:extLst>
+          </p:cNvPr>
+          <p:cNvSpPr txBox="1"/>
+          <p:nvPr/>
+        </p:nvSpPr>
+        <p:spPr>
+          <a:xfrm>
+            <a:off x="1808921" y="5634969"/>
+            <a:ext cx="8334765" cy="1077218"/>
+          </a:xfrm>
+          <a:prstGeom prst="rect">
+            <a:avLst/>
+          </a:prstGeom>
+          <a:noFill/>
+          <a:ln w="28575">
+            <a:solidFill>
+              <a:schemeClr val="tx1"/>
+            </a:solidFill>
+          </a:ln>
+        </p:spPr>
+        <p:txBody>
+          <a:bodyPr wrap="square" rtlCol="0">
+            <a:spAutoFit/>
+          </a:bodyPr>
+          <a:lstStyle/>
+          <a:p>
+            <a:pPr algn="ctr"/>
+            <a:r>
+              <a:rPr lang="ru-RU" sz="3200" dirty="0"/>
+              <a:t>База данных </a:t>
+            </a:r>
+            <a:r>
+              <a:rPr lang="en-US" sz="3200" dirty="0"/>
+              <a:t>SQLite</a:t>
+            </a:r>
+            <a:r>
+              <a:rPr lang="ru-RU" sz="3200" dirty="0"/>
+              <a:t>:</a:t>
+            </a:r>
+            <a:br>
+              <a:rPr lang="ru-RU" sz="3200" dirty="0"/>
+            </a:br>
+            <a:r>
+              <a:rPr lang="ru-RU" sz="3200" dirty="0"/>
+              <a:t>таблицы с вопросами, ответами, предметами</a:t>
+            </a:r>
+          </a:p>
+        </p:txBody>
+      </p:sp>
+    </p:spTree>
+    <p:extLst>
+      <p:ext uri="{BB962C8B-B14F-4D97-AF65-F5344CB8AC3E}">
+        <p14:creationId xmlns:p14="http://schemas.microsoft.com/office/powerpoint/2010/main" val="2270588653"/>
+      </p:ext>
+    </p:extLst>
+  </p:cSld>
+  <p:clrMapOvr>
+    <a:masterClrMapping/>
+  </p:clrMapOvr>
+</p:sld>
+</file>
+
 <file path=ppt/theme/theme1.xml><?xml version="1.0" encoding="utf-8"?>
 <a:theme xmlns:a="http://schemas.openxmlformats.org/drawingml/2006/main" name="Office Theme">
   <a:themeElements>

--- a/Формирование междисциплинарных тестовых заданий/Дипломная работа Лунева Л.М..pptx
+++ b/Формирование междисциплинарных тестовых заданий/Дипломная работа Лунева Л.М..pptx
@@ -13,6 +13,7 @@
     <p:sldId id="261" r:id="rId7"/>
     <p:sldId id="262" r:id="rId8"/>
     <p:sldId id="263" r:id="rId9"/>
+    <p:sldId id="264" r:id="rId10"/>
   </p:sldIdLst>
   <p:sldSz cx="12192000" cy="6858000"/>
   <p:notesSz cx="6858000" cy="9144000"/>
@@ -4655,6 +4656,90 @@
 </p:sld>
 </file>
 
+<file path=ppt/slides/slide9.xml><?xml version="1.0" encoding="utf-8"?>
+<p:sld xmlns:a="http://schemas.openxmlformats.org/drawingml/2006/main" xmlns:r="http://schemas.openxmlformats.org/officeDocument/2006/relationships" xmlns:p="http://schemas.openxmlformats.org/presentationml/2006/main">
+  <p:cSld>
+    <p:spTree>
+      <p:nvGrpSpPr>
+        <p:cNvPr id="1" name=""/>
+        <p:cNvGrpSpPr/>
+        <p:nvPr/>
+      </p:nvGrpSpPr>
+      <p:grpSpPr>
+        <a:xfrm>
+          <a:off x="0" y="0"/>
+          <a:ext cx="0" cy="0"/>
+          <a:chOff x="0" y="0"/>
+          <a:chExt cx="0" cy="0"/>
+        </a:xfrm>
+      </p:grpSpPr>
+      <p:sp>
+        <p:nvSpPr>
+          <p:cNvPr id="2" name="Title 1">
+            <a:extLst>
+              <a:ext uri="{FF2B5EF4-FFF2-40B4-BE49-F238E27FC236}">
+                <a16:creationId xmlns:a16="http://schemas.microsoft.com/office/drawing/2014/main" id="{39E8AD10-AD32-4F8E-9C5D-42561F8A575A}"/>
+              </a:ext>
+            </a:extLst>
+          </p:cNvPr>
+          <p:cNvSpPr>
+            <a:spLocks noGrp="1"/>
+          </p:cNvSpPr>
+          <p:nvPr>
+            <p:ph type="title"/>
+          </p:nvPr>
+        </p:nvSpPr>
+        <p:spPr/>
+        <p:txBody>
+          <a:bodyPr/>
+          <a:lstStyle/>
+          <a:p>
+            <a:pPr algn="ctr"/>
+            <a:r>
+              <a:rPr lang="ru-RU" dirty="0"/>
+              <a:t>Схема базы данных </a:t>
+            </a:r>
+          </a:p>
+        </p:txBody>
+      </p:sp>
+      <p:sp>
+        <p:nvSpPr>
+          <p:cNvPr id="3" name="Content Placeholder 2">
+            <a:extLst>
+              <a:ext uri="{FF2B5EF4-FFF2-40B4-BE49-F238E27FC236}">
+                <a16:creationId xmlns:a16="http://schemas.microsoft.com/office/drawing/2014/main" id="{99687675-7B38-4C07-915E-6E8EE5659098}"/>
+              </a:ext>
+            </a:extLst>
+          </p:cNvPr>
+          <p:cNvSpPr>
+            <a:spLocks noGrp="1"/>
+          </p:cNvSpPr>
+          <p:nvPr>
+            <p:ph idx="1"/>
+          </p:nvPr>
+        </p:nvSpPr>
+        <p:spPr/>
+        <p:txBody>
+          <a:bodyPr/>
+          <a:lstStyle/>
+          <a:p>
+            <a:endParaRPr lang="ru-RU"/>
+          </a:p>
+        </p:txBody>
+      </p:sp>
+    </p:spTree>
+    <p:extLst>
+      <p:ext uri="{BB962C8B-B14F-4D97-AF65-F5344CB8AC3E}">
+        <p14:creationId xmlns:p14="http://schemas.microsoft.com/office/powerpoint/2010/main" val="753848954"/>
+      </p:ext>
+    </p:extLst>
+  </p:cSld>
+  <p:clrMapOvr>
+    <a:masterClrMapping/>
+  </p:clrMapOvr>
+</p:sld>
+</file>
+
 <file path=ppt/theme/theme1.xml><?xml version="1.0" encoding="utf-8"?>
 <a:theme xmlns:a="http://schemas.openxmlformats.org/drawingml/2006/main" name="Office Theme">
   <a:themeElements>

--- a/Формирование междисциплинарных тестовых заданий/Дипломная работа Лунева Л.М..pptx
+++ b/Формирование междисциплинарных тестовых заданий/Дипломная работа Лунева Л.М..pptx
@@ -269,7 +269,7 @@
           <a:p>
             <a:fld id="{DA2D959B-00DB-4953-B5C8-84334DC8C2A3}" type="datetimeFigureOut">
               <a:rPr lang="ru-RU" smtClean="0"/>
-              <a:t>01.06.2021</a:t>
+              <a:t>02.06.2021</a:t>
             </a:fld>
             <a:endParaRPr lang="ru-RU"/>
           </a:p>
@@ -469,7 +469,7 @@
           <a:p>
             <a:fld id="{DA2D959B-00DB-4953-B5C8-84334DC8C2A3}" type="datetimeFigureOut">
               <a:rPr lang="ru-RU" smtClean="0"/>
-              <a:t>01.06.2021</a:t>
+              <a:t>02.06.2021</a:t>
             </a:fld>
             <a:endParaRPr lang="ru-RU"/>
           </a:p>
@@ -679,7 +679,7 @@
           <a:p>
             <a:fld id="{DA2D959B-00DB-4953-B5C8-84334DC8C2A3}" type="datetimeFigureOut">
               <a:rPr lang="ru-RU" smtClean="0"/>
-              <a:t>01.06.2021</a:t>
+              <a:t>02.06.2021</a:t>
             </a:fld>
             <a:endParaRPr lang="ru-RU"/>
           </a:p>
@@ -879,7 +879,7 @@
           <a:p>
             <a:fld id="{DA2D959B-00DB-4953-B5C8-84334DC8C2A3}" type="datetimeFigureOut">
               <a:rPr lang="ru-RU" smtClean="0"/>
-              <a:t>01.06.2021</a:t>
+              <a:t>02.06.2021</a:t>
             </a:fld>
             <a:endParaRPr lang="ru-RU"/>
           </a:p>
@@ -1155,7 +1155,7 @@
           <a:p>
             <a:fld id="{DA2D959B-00DB-4953-B5C8-84334DC8C2A3}" type="datetimeFigureOut">
               <a:rPr lang="ru-RU" smtClean="0"/>
-              <a:t>01.06.2021</a:t>
+              <a:t>02.06.2021</a:t>
             </a:fld>
             <a:endParaRPr lang="ru-RU"/>
           </a:p>
@@ -1423,7 +1423,7 @@
           <a:p>
             <a:fld id="{DA2D959B-00DB-4953-B5C8-84334DC8C2A3}" type="datetimeFigureOut">
               <a:rPr lang="ru-RU" smtClean="0"/>
-              <a:t>01.06.2021</a:t>
+              <a:t>02.06.2021</a:t>
             </a:fld>
             <a:endParaRPr lang="ru-RU"/>
           </a:p>
@@ -1838,7 +1838,7 @@
           <a:p>
             <a:fld id="{DA2D959B-00DB-4953-B5C8-84334DC8C2A3}" type="datetimeFigureOut">
               <a:rPr lang="ru-RU" smtClean="0"/>
-              <a:t>01.06.2021</a:t>
+              <a:t>02.06.2021</a:t>
             </a:fld>
             <a:endParaRPr lang="ru-RU"/>
           </a:p>
@@ -1980,7 +1980,7 @@
           <a:p>
             <a:fld id="{DA2D959B-00DB-4953-B5C8-84334DC8C2A3}" type="datetimeFigureOut">
               <a:rPr lang="ru-RU" smtClean="0"/>
-              <a:t>01.06.2021</a:t>
+              <a:t>02.06.2021</a:t>
             </a:fld>
             <a:endParaRPr lang="ru-RU"/>
           </a:p>
@@ -2093,7 +2093,7 @@
           <a:p>
             <a:fld id="{DA2D959B-00DB-4953-B5C8-84334DC8C2A3}" type="datetimeFigureOut">
               <a:rPr lang="ru-RU" smtClean="0"/>
-              <a:t>01.06.2021</a:t>
+              <a:t>02.06.2021</a:t>
             </a:fld>
             <a:endParaRPr lang="ru-RU"/>
           </a:p>
@@ -2406,7 +2406,7 @@
           <a:p>
             <a:fld id="{DA2D959B-00DB-4953-B5C8-84334DC8C2A3}" type="datetimeFigureOut">
               <a:rPr lang="ru-RU" smtClean="0"/>
-              <a:t>01.06.2021</a:t>
+              <a:t>02.06.2021</a:t>
             </a:fld>
             <a:endParaRPr lang="ru-RU"/>
           </a:p>
@@ -2695,7 +2695,7 @@
           <a:p>
             <a:fld id="{DA2D959B-00DB-4953-B5C8-84334DC8C2A3}" type="datetimeFigureOut">
               <a:rPr lang="ru-RU" smtClean="0"/>
-              <a:t>01.06.2021</a:t>
+              <a:t>02.06.2021</a:t>
             </a:fld>
             <a:endParaRPr lang="ru-RU"/>
           </a:p>
@@ -2938,7 +2938,7 @@
           <a:p>
             <a:fld id="{DA2D959B-00DB-4953-B5C8-84334DC8C2A3}" type="datetimeFigureOut">
               <a:rPr lang="ru-RU" smtClean="0"/>
-              <a:t>01.06.2021</a:t>
+              <a:t>02.06.2021</a:t>
             </a:fld>
             <a:endParaRPr lang="ru-RU"/>
           </a:p>
@@ -4702,31 +4702,41 @@
           </a:p>
         </p:txBody>
       </p:sp>
-      <p:sp>
-        <p:nvSpPr>
-          <p:cNvPr id="3" name="Content Placeholder 2">
-            <a:extLst>
-              <a:ext uri="{FF2B5EF4-FFF2-40B4-BE49-F238E27FC236}">
-                <a16:creationId xmlns:a16="http://schemas.microsoft.com/office/drawing/2014/main" id="{99687675-7B38-4C07-915E-6E8EE5659098}"/>
-              </a:ext>
-            </a:extLst>
-          </p:cNvPr>
-          <p:cNvSpPr>
-            <a:spLocks noGrp="1"/>
-          </p:cNvSpPr>
+      <p:pic>
+        <p:nvPicPr>
+          <p:cNvPr id="5" name="Объект 4">
+            <a:extLst>
+              <a:ext uri="{FF2B5EF4-FFF2-40B4-BE49-F238E27FC236}">
+                <a16:creationId xmlns:a16="http://schemas.microsoft.com/office/drawing/2014/main" id="{E5A9E866-D8F6-48D0-8866-9747E8E17AF0}"/>
+              </a:ext>
+            </a:extLst>
+          </p:cNvPr>
+          <p:cNvPicPr>
+            <a:picLocks noGrp="1" noChangeAspect="1"/>
+          </p:cNvPicPr>
           <p:nvPr>
             <p:ph idx="1"/>
           </p:nvPr>
-        </p:nvSpPr>
-        <p:spPr/>
-        <p:txBody>
-          <a:bodyPr/>
-          <a:lstStyle/>
-          <a:p>
-            <a:endParaRPr lang="ru-RU"/>
-          </a:p>
-        </p:txBody>
-      </p:sp>
+        </p:nvPicPr>
+        <p:blipFill>
+          <a:blip r:embed="rId2">
+            <a:extLst>
+              <a:ext uri="{28A0092B-C50C-407E-A947-70E740481C1C}">
+                <a14:useLocalDpi xmlns:a14="http://schemas.microsoft.com/office/drawing/2010/main" val="0"/>
+              </a:ext>
+            </a:extLst>
+          </a:blip>
+          <a:stretch>
+            <a:fillRect/>
+          </a:stretch>
+        </p:blipFill>
+        <p:spPr>
+          <a:xfrm>
+            <a:off x="2110449" y="1825625"/>
+            <a:ext cx="7971102" cy="4351338"/>
+          </a:xfrm>
+        </p:spPr>
+      </p:pic>
     </p:spTree>
     <p:extLst>
       <p:ext uri="{BB962C8B-B14F-4D97-AF65-F5344CB8AC3E}">

--- a/Формирование междисциплинарных тестовых заданий/Дипломная работа Лунева Л.М..pptx
+++ b/Формирование междисциплинарных тестовых заданий/Дипломная работа Лунева Л.М..pptx
@@ -269,7 +269,7 @@
           <a:p>
             <a:fld id="{DA2D959B-00DB-4953-B5C8-84334DC8C2A3}" type="datetimeFigureOut">
               <a:rPr lang="ru-RU" smtClean="0"/>
-              <a:t>02.06.2021</a:t>
+              <a:t>03.06.2021</a:t>
             </a:fld>
             <a:endParaRPr lang="ru-RU"/>
           </a:p>
@@ -469,7 +469,7 @@
           <a:p>
             <a:fld id="{DA2D959B-00DB-4953-B5C8-84334DC8C2A3}" type="datetimeFigureOut">
               <a:rPr lang="ru-RU" smtClean="0"/>
-              <a:t>02.06.2021</a:t>
+              <a:t>03.06.2021</a:t>
             </a:fld>
             <a:endParaRPr lang="ru-RU"/>
           </a:p>
@@ -679,7 +679,7 @@
           <a:p>
             <a:fld id="{DA2D959B-00DB-4953-B5C8-84334DC8C2A3}" type="datetimeFigureOut">
               <a:rPr lang="ru-RU" smtClean="0"/>
-              <a:t>02.06.2021</a:t>
+              <a:t>03.06.2021</a:t>
             </a:fld>
             <a:endParaRPr lang="ru-RU"/>
           </a:p>
@@ -879,7 +879,7 @@
           <a:p>
             <a:fld id="{DA2D959B-00DB-4953-B5C8-84334DC8C2A3}" type="datetimeFigureOut">
               <a:rPr lang="ru-RU" smtClean="0"/>
-              <a:t>02.06.2021</a:t>
+              <a:t>03.06.2021</a:t>
             </a:fld>
             <a:endParaRPr lang="ru-RU"/>
           </a:p>
@@ -1155,7 +1155,7 @@
           <a:p>
             <a:fld id="{DA2D959B-00DB-4953-B5C8-84334DC8C2A3}" type="datetimeFigureOut">
               <a:rPr lang="ru-RU" smtClean="0"/>
-              <a:t>02.06.2021</a:t>
+              <a:t>03.06.2021</a:t>
             </a:fld>
             <a:endParaRPr lang="ru-RU"/>
           </a:p>
@@ -1423,7 +1423,7 @@
           <a:p>
             <a:fld id="{DA2D959B-00DB-4953-B5C8-84334DC8C2A3}" type="datetimeFigureOut">
               <a:rPr lang="ru-RU" smtClean="0"/>
-              <a:t>02.06.2021</a:t>
+              <a:t>03.06.2021</a:t>
             </a:fld>
             <a:endParaRPr lang="ru-RU"/>
           </a:p>
@@ -1838,7 +1838,7 @@
           <a:p>
             <a:fld id="{DA2D959B-00DB-4953-B5C8-84334DC8C2A3}" type="datetimeFigureOut">
               <a:rPr lang="ru-RU" smtClean="0"/>
-              <a:t>02.06.2021</a:t>
+              <a:t>03.06.2021</a:t>
             </a:fld>
             <a:endParaRPr lang="ru-RU"/>
           </a:p>
@@ -1980,7 +1980,7 @@
           <a:p>
             <a:fld id="{DA2D959B-00DB-4953-B5C8-84334DC8C2A3}" type="datetimeFigureOut">
               <a:rPr lang="ru-RU" smtClean="0"/>
-              <a:t>02.06.2021</a:t>
+              <a:t>03.06.2021</a:t>
             </a:fld>
             <a:endParaRPr lang="ru-RU"/>
           </a:p>
@@ -2093,7 +2093,7 @@
           <a:p>
             <a:fld id="{DA2D959B-00DB-4953-B5C8-84334DC8C2A3}" type="datetimeFigureOut">
               <a:rPr lang="ru-RU" smtClean="0"/>
-              <a:t>02.06.2021</a:t>
+              <a:t>03.06.2021</a:t>
             </a:fld>
             <a:endParaRPr lang="ru-RU"/>
           </a:p>
@@ -2406,7 +2406,7 @@
           <a:p>
             <a:fld id="{DA2D959B-00DB-4953-B5C8-84334DC8C2A3}" type="datetimeFigureOut">
               <a:rPr lang="ru-RU" smtClean="0"/>
-              <a:t>02.06.2021</a:t>
+              <a:t>03.06.2021</a:t>
             </a:fld>
             <a:endParaRPr lang="ru-RU"/>
           </a:p>
@@ -2695,7 +2695,7 @@
           <a:p>
             <a:fld id="{DA2D959B-00DB-4953-B5C8-84334DC8C2A3}" type="datetimeFigureOut">
               <a:rPr lang="ru-RU" smtClean="0"/>
-              <a:t>02.06.2021</a:t>
+              <a:t>03.06.2021</a:t>
             </a:fld>
             <a:endParaRPr lang="ru-RU"/>
           </a:p>
@@ -2938,7 +2938,7 @@
           <a:p>
             <a:fld id="{DA2D959B-00DB-4953-B5C8-84334DC8C2A3}" type="datetimeFigureOut">
               <a:rPr lang="ru-RU" smtClean="0"/>
-              <a:t>02.06.2021</a:t>
+              <a:t>03.06.2021</a:t>
             </a:fld>
             <a:endParaRPr lang="ru-RU"/>
           </a:p>
@@ -4704,10 +4704,10 @@
       </p:sp>
       <p:pic>
         <p:nvPicPr>
-          <p:cNvPr id="5" name="Объект 4">
-            <a:extLst>
-              <a:ext uri="{FF2B5EF4-FFF2-40B4-BE49-F238E27FC236}">
-                <a16:creationId xmlns:a16="http://schemas.microsoft.com/office/drawing/2014/main" id="{E5A9E866-D8F6-48D0-8866-9747E8E17AF0}"/>
+          <p:cNvPr id="11" name="Content Placeholder 10">
+            <a:extLst>
+              <a:ext uri="{FF2B5EF4-FFF2-40B4-BE49-F238E27FC236}">
+                <a16:creationId xmlns:a16="http://schemas.microsoft.com/office/drawing/2014/main" id="{A412F771-5539-4369-ADED-168867C89F3D}"/>
               </a:ext>
             </a:extLst>
           </p:cNvPr>
@@ -4732,8 +4732,8 @@
         </p:blipFill>
         <p:spPr>
           <a:xfrm>
-            <a:off x="2110449" y="1825625"/>
-            <a:ext cx="7971102" cy="4351338"/>
+            <a:off x="4243" y="1257300"/>
+            <a:ext cx="12135742" cy="4234657"/>
           </a:xfrm>
         </p:spPr>
       </p:pic>

--- a/Формирование междисциплинарных тестовых заданий/Дипломная работа Лунева Л.М..pptx
+++ b/Формирование междисциплинарных тестовых заданий/Дипломная работа Лунева Л.М..pptx
@@ -14,6 +14,7 @@
     <p:sldId id="262" r:id="rId8"/>
     <p:sldId id="263" r:id="rId9"/>
     <p:sldId id="264" r:id="rId10"/>
+    <p:sldId id="265" r:id="rId11"/>
   </p:sldIdLst>
   <p:sldSz cx="12192000" cy="6858000"/>
   <p:notesSz cx="6858000" cy="9144000"/>
@@ -3528,6 +3529,115 @@
 </p:sld>
 </file>
 
+<file path=ppt/slides/slide10.xml><?xml version="1.0" encoding="utf-8"?>
+<p:sld xmlns:a="http://schemas.openxmlformats.org/drawingml/2006/main" xmlns:r="http://schemas.openxmlformats.org/officeDocument/2006/relationships" xmlns:p="http://schemas.openxmlformats.org/presentationml/2006/main">
+  <p:cSld>
+    <p:spTree>
+      <p:nvGrpSpPr>
+        <p:cNvPr id="1" name=""/>
+        <p:cNvGrpSpPr/>
+        <p:nvPr/>
+      </p:nvGrpSpPr>
+      <p:grpSpPr>
+        <a:xfrm>
+          <a:off x="0" y="0"/>
+          <a:ext cx="0" cy="0"/>
+          <a:chOff x="0" y="0"/>
+          <a:chExt cx="0" cy="0"/>
+        </a:xfrm>
+      </p:grpSpPr>
+      <p:pic>
+        <p:nvPicPr>
+          <p:cNvPr id="8" name="Рисунок 7">
+            <a:extLst>
+              <a:ext uri="{FF2B5EF4-FFF2-40B4-BE49-F238E27FC236}">
+                <a16:creationId xmlns:a16="http://schemas.microsoft.com/office/drawing/2014/main" id="{E4CE6563-F6F3-4C56-BE5F-1E8FD2CB22B7}"/>
+              </a:ext>
+            </a:extLst>
+          </p:cNvPr>
+          <p:cNvPicPr>
+            <a:picLocks noChangeAspect="1"/>
+          </p:cNvPicPr>
+          <p:nvPr/>
+        </p:nvPicPr>
+        <p:blipFill>
+          <a:blip r:embed="rId2"/>
+          <a:stretch>
+            <a:fillRect/>
+          </a:stretch>
+        </p:blipFill>
+        <p:spPr>
+          <a:xfrm>
+            <a:off x="1132513" y="1393622"/>
+            <a:ext cx="9714450" cy="5464378"/>
+          </a:xfrm>
+          <a:prstGeom prst="rect">
+            <a:avLst/>
+          </a:prstGeom>
+        </p:spPr>
+      </p:pic>
+      <p:sp>
+        <p:nvSpPr>
+          <p:cNvPr id="9" name="TextBox 8">
+            <a:extLst>
+              <a:ext uri="{FF2B5EF4-FFF2-40B4-BE49-F238E27FC236}">
+                <a16:creationId xmlns:a16="http://schemas.microsoft.com/office/drawing/2014/main" id="{867B84A0-5ACD-4704-B964-55085761FF08}"/>
+              </a:ext>
+            </a:extLst>
+          </p:cNvPr>
+          <p:cNvSpPr txBox="1"/>
+          <p:nvPr/>
+        </p:nvSpPr>
+        <p:spPr>
+          <a:xfrm>
+            <a:off x="880844" y="360727"/>
+            <a:ext cx="10486237" cy="1200329"/>
+          </a:xfrm>
+          <a:prstGeom prst="rect">
+            <a:avLst/>
+          </a:prstGeom>
+          <a:noFill/>
+        </p:spPr>
+        <p:txBody>
+          <a:bodyPr wrap="square" rtlCol="0">
+            <a:spAutoFit/>
+          </a:bodyPr>
+          <a:lstStyle/>
+          <a:p>
+            <a:pPr algn="ctr"/>
+            <a:r>
+              <a:rPr lang="ru-RU" sz="3600" dirty="0"/>
+              <a:t>Основные элементы интерфейса: Лента </a:t>
+            </a:r>
+            <a:r>
+              <a:rPr lang="en-US" sz="3600" dirty="0"/>
+              <a:t>Ribbon</a:t>
+            </a:r>
+            <a:r>
+              <a:rPr lang="ru-RU" sz="3600" dirty="0"/>
+              <a:t> и Набор вкладок </a:t>
+            </a:r>
+            <a:r>
+              <a:rPr lang="en-US" sz="3600" dirty="0" err="1"/>
+              <a:t>TabControl</a:t>
+            </a:r>
+            <a:endParaRPr lang="ru-RU" sz="3600" dirty="0"/>
+          </a:p>
+        </p:txBody>
+      </p:sp>
+    </p:spTree>
+    <p:extLst>
+      <p:ext uri="{BB962C8B-B14F-4D97-AF65-F5344CB8AC3E}">
+        <p14:creationId xmlns:p14="http://schemas.microsoft.com/office/powerpoint/2010/main" val="1515853440"/>
+      </p:ext>
+    </p:extLst>
+  </p:cSld>
+  <p:clrMapOvr>
+    <a:masterClrMapping/>
+  </p:clrMapOvr>
+</p:sld>
+</file>
+
 <file path=ppt/slides/slide2.xml><?xml version="1.0" encoding="utf-8"?>
 <p:sld xmlns:a="http://schemas.openxmlformats.org/drawingml/2006/main" xmlns:r="http://schemas.openxmlformats.org/officeDocument/2006/relationships" xmlns:p="http://schemas.openxmlformats.org/presentationml/2006/main">
   <p:cSld>

--- a/Формирование междисциплинарных тестовых заданий/Дипломная работа Лунева Л.М..pptx
+++ b/Формирование междисциплинарных тестовых заданий/Дипломная работа Лунева Л.М..pptx
@@ -15,6 +15,7 @@
     <p:sldId id="263" r:id="rId9"/>
     <p:sldId id="264" r:id="rId10"/>
     <p:sldId id="265" r:id="rId11"/>
+    <p:sldId id="266" r:id="rId12"/>
   </p:sldIdLst>
   <p:sldSz cx="12192000" cy="6858000"/>
   <p:notesSz cx="6858000" cy="9144000"/>
@@ -3638,6 +3639,101 @@
 </p:sld>
 </file>
 
+<file path=ppt/slides/slide11.xml><?xml version="1.0" encoding="utf-8"?>
+<p:sld xmlns:a="http://schemas.openxmlformats.org/drawingml/2006/main" xmlns:r="http://schemas.openxmlformats.org/officeDocument/2006/relationships" xmlns:p="http://schemas.openxmlformats.org/presentationml/2006/main">
+  <p:cSld>
+    <p:spTree>
+      <p:nvGrpSpPr>
+        <p:cNvPr id="1" name=""/>
+        <p:cNvGrpSpPr/>
+        <p:nvPr/>
+      </p:nvGrpSpPr>
+      <p:grpSpPr>
+        <a:xfrm>
+          <a:off x="0" y="0"/>
+          <a:ext cx="0" cy="0"/>
+          <a:chOff x="0" y="0"/>
+          <a:chExt cx="0" cy="0"/>
+        </a:xfrm>
+      </p:grpSpPr>
+      <p:sp>
+        <p:nvSpPr>
+          <p:cNvPr id="2" name="Заголовок 1">
+            <a:extLst>
+              <a:ext uri="{FF2B5EF4-FFF2-40B4-BE49-F238E27FC236}">
+                <a16:creationId xmlns:a16="http://schemas.microsoft.com/office/drawing/2014/main" id="{87FBBEFD-8F78-41FD-A2EF-8A34D4511CA3}"/>
+              </a:ext>
+            </a:extLst>
+          </p:cNvPr>
+          <p:cNvSpPr>
+            <a:spLocks noGrp="1"/>
+          </p:cNvSpPr>
+          <p:nvPr>
+            <p:ph type="ctrTitle"/>
+          </p:nvPr>
+        </p:nvSpPr>
+        <p:spPr>
+          <a:xfrm>
+            <a:off x="1524000" y="1122363"/>
+            <a:ext cx="9144000" cy="916162"/>
+          </a:xfrm>
+        </p:spPr>
+        <p:txBody>
+          <a:bodyPr>
+            <a:normAutofit/>
+          </a:bodyPr>
+          <a:lstStyle/>
+          <a:p>
+            <a:r>
+              <a:rPr lang="ru-RU" sz="4400" dirty="0"/>
+              <a:t>Информационная безопасность</a:t>
+            </a:r>
+          </a:p>
+        </p:txBody>
+      </p:sp>
+      <p:sp>
+        <p:nvSpPr>
+          <p:cNvPr id="3" name="Подзаголовок 2">
+            <a:extLst>
+              <a:ext uri="{FF2B5EF4-FFF2-40B4-BE49-F238E27FC236}">
+                <a16:creationId xmlns:a16="http://schemas.microsoft.com/office/drawing/2014/main" id="{714330B2-A02F-4BD9-AD98-E9C729E28D61}"/>
+              </a:ext>
+            </a:extLst>
+          </p:cNvPr>
+          <p:cNvSpPr>
+            <a:spLocks noGrp="1"/>
+          </p:cNvSpPr>
+          <p:nvPr>
+            <p:ph type="subTitle" idx="1"/>
+          </p:nvPr>
+        </p:nvSpPr>
+        <p:spPr>
+          <a:xfrm>
+            <a:off x="1524000" y="2273417"/>
+            <a:ext cx="9144000" cy="4009937"/>
+          </a:xfrm>
+        </p:spPr>
+        <p:txBody>
+          <a:bodyPr/>
+          <a:lstStyle/>
+          <a:p>
+            <a:endParaRPr lang="ru-RU" dirty="0"/>
+          </a:p>
+        </p:txBody>
+      </p:sp>
+    </p:spTree>
+    <p:extLst>
+      <p:ext uri="{BB962C8B-B14F-4D97-AF65-F5344CB8AC3E}">
+        <p14:creationId xmlns:p14="http://schemas.microsoft.com/office/powerpoint/2010/main" val="470228762"/>
+      </p:ext>
+    </p:extLst>
+  </p:cSld>
+  <p:clrMapOvr>
+    <a:masterClrMapping/>
+  </p:clrMapOvr>
+</p:sld>
+</file>
+
 <file path=ppt/slides/slide2.xml><?xml version="1.0" encoding="utf-8"?>
 <p:sld xmlns:a="http://schemas.openxmlformats.org/drawingml/2006/main" xmlns:r="http://schemas.openxmlformats.org/officeDocument/2006/relationships" xmlns:p="http://schemas.openxmlformats.org/presentationml/2006/main">
   <p:cSld>

--- a/Формирование междисциплинарных тестовых заданий/Дипломная работа Лунева Л.М..pptx
+++ b/Формирование междисциплинарных тестовых заданий/Дипломная работа Лунева Л.М..pptx
@@ -271,7 +271,7 @@
           <a:p>
             <a:fld id="{DA2D959B-00DB-4953-B5C8-84334DC8C2A3}" type="datetimeFigureOut">
               <a:rPr lang="ru-RU" smtClean="0"/>
-              <a:t>03.06.2021</a:t>
+              <a:t>05.06.2021</a:t>
             </a:fld>
             <a:endParaRPr lang="ru-RU"/>
           </a:p>
@@ -471,7 +471,7 @@
           <a:p>
             <a:fld id="{DA2D959B-00DB-4953-B5C8-84334DC8C2A3}" type="datetimeFigureOut">
               <a:rPr lang="ru-RU" smtClean="0"/>
-              <a:t>03.06.2021</a:t>
+              <a:t>05.06.2021</a:t>
             </a:fld>
             <a:endParaRPr lang="ru-RU"/>
           </a:p>
@@ -681,7 +681,7 @@
           <a:p>
             <a:fld id="{DA2D959B-00DB-4953-B5C8-84334DC8C2A3}" type="datetimeFigureOut">
               <a:rPr lang="ru-RU" smtClean="0"/>
-              <a:t>03.06.2021</a:t>
+              <a:t>05.06.2021</a:t>
             </a:fld>
             <a:endParaRPr lang="ru-RU"/>
           </a:p>
@@ -881,7 +881,7 @@
           <a:p>
             <a:fld id="{DA2D959B-00DB-4953-B5C8-84334DC8C2A3}" type="datetimeFigureOut">
               <a:rPr lang="ru-RU" smtClean="0"/>
-              <a:t>03.06.2021</a:t>
+              <a:t>05.06.2021</a:t>
             </a:fld>
             <a:endParaRPr lang="ru-RU"/>
           </a:p>
@@ -1157,7 +1157,7 @@
           <a:p>
             <a:fld id="{DA2D959B-00DB-4953-B5C8-84334DC8C2A3}" type="datetimeFigureOut">
               <a:rPr lang="ru-RU" smtClean="0"/>
-              <a:t>03.06.2021</a:t>
+              <a:t>05.06.2021</a:t>
             </a:fld>
             <a:endParaRPr lang="ru-RU"/>
           </a:p>
@@ -1425,7 +1425,7 @@
           <a:p>
             <a:fld id="{DA2D959B-00DB-4953-B5C8-84334DC8C2A3}" type="datetimeFigureOut">
               <a:rPr lang="ru-RU" smtClean="0"/>
-              <a:t>03.06.2021</a:t>
+              <a:t>05.06.2021</a:t>
             </a:fld>
             <a:endParaRPr lang="ru-RU"/>
           </a:p>
@@ -1840,7 +1840,7 @@
           <a:p>
             <a:fld id="{DA2D959B-00DB-4953-B5C8-84334DC8C2A3}" type="datetimeFigureOut">
               <a:rPr lang="ru-RU" smtClean="0"/>
-              <a:t>03.06.2021</a:t>
+              <a:t>05.06.2021</a:t>
             </a:fld>
             <a:endParaRPr lang="ru-RU"/>
           </a:p>
@@ -1982,7 +1982,7 @@
           <a:p>
             <a:fld id="{DA2D959B-00DB-4953-B5C8-84334DC8C2A3}" type="datetimeFigureOut">
               <a:rPr lang="ru-RU" smtClean="0"/>
-              <a:t>03.06.2021</a:t>
+              <a:t>05.06.2021</a:t>
             </a:fld>
             <a:endParaRPr lang="ru-RU"/>
           </a:p>
@@ -2095,7 +2095,7 @@
           <a:p>
             <a:fld id="{DA2D959B-00DB-4953-B5C8-84334DC8C2A3}" type="datetimeFigureOut">
               <a:rPr lang="ru-RU" smtClean="0"/>
-              <a:t>03.06.2021</a:t>
+              <a:t>05.06.2021</a:t>
             </a:fld>
             <a:endParaRPr lang="ru-RU"/>
           </a:p>
@@ -2408,7 +2408,7 @@
           <a:p>
             <a:fld id="{DA2D959B-00DB-4953-B5C8-84334DC8C2A3}" type="datetimeFigureOut">
               <a:rPr lang="ru-RU" smtClean="0"/>
-              <a:t>03.06.2021</a:t>
+              <a:t>05.06.2021</a:t>
             </a:fld>
             <a:endParaRPr lang="ru-RU"/>
           </a:p>
@@ -2697,7 +2697,7 @@
           <a:p>
             <a:fld id="{DA2D959B-00DB-4953-B5C8-84334DC8C2A3}" type="datetimeFigureOut">
               <a:rPr lang="ru-RU" smtClean="0"/>
-              <a:t>03.06.2021</a:t>
+              <a:t>05.06.2021</a:t>
             </a:fld>
             <a:endParaRPr lang="ru-RU"/>
           </a:p>
@@ -2940,7 +2940,7 @@
           <a:p>
             <a:fld id="{DA2D959B-00DB-4953-B5C8-84334DC8C2A3}" type="datetimeFigureOut">
               <a:rPr lang="ru-RU" smtClean="0"/>
-              <a:t>03.06.2021</a:t>
+              <a:t>05.06.2021</a:t>
             </a:fld>
             <a:endParaRPr lang="ru-RU"/>
           </a:p>
@@ -3674,13 +3674,13 @@
         </p:nvSpPr>
         <p:spPr>
           <a:xfrm>
-            <a:off x="1524000" y="1122363"/>
-            <a:ext cx="9144000" cy="916162"/>
+            <a:off x="1219200" y="177799"/>
+            <a:ext cx="9144000" cy="641525"/>
           </a:xfrm>
         </p:spPr>
         <p:txBody>
           <a:bodyPr>
-            <a:normAutofit/>
+            <a:normAutofit fontScale="90000"/>
           </a:bodyPr>
           <a:lstStyle/>
           <a:p>
@@ -3691,36 +3691,36 @@
           </a:p>
         </p:txBody>
       </p:sp>
-      <p:sp>
-        <p:nvSpPr>
-          <p:cNvPr id="3" name="Подзаголовок 2">
-            <a:extLst>
-              <a:ext uri="{FF2B5EF4-FFF2-40B4-BE49-F238E27FC236}">
-                <a16:creationId xmlns:a16="http://schemas.microsoft.com/office/drawing/2014/main" id="{714330B2-A02F-4BD9-AD98-E9C729E28D61}"/>
-              </a:ext>
-            </a:extLst>
-          </p:cNvPr>
-          <p:cNvSpPr>
-            <a:spLocks noGrp="1"/>
-          </p:cNvSpPr>
-          <p:nvPr>
-            <p:ph type="subTitle" idx="1"/>
-          </p:nvPr>
-        </p:nvSpPr>
+      <p:pic>
+        <p:nvPicPr>
+          <p:cNvPr id="5" name="Picture 4">
+            <a:extLst>
+              <a:ext uri="{FF2B5EF4-FFF2-40B4-BE49-F238E27FC236}">
+                <a16:creationId xmlns:a16="http://schemas.microsoft.com/office/drawing/2014/main" id="{58AE782E-30C1-42FC-A11F-5145D1966643}"/>
+              </a:ext>
+            </a:extLst>
+          </p:cNvPr>
+          <p:cNvPicPr>
+            <a:picLocks noChangeAspect="1"/>
+          </p:cNvPicPr>
+          <p:nvPr/>
+        </p:nvPicPr>
+        <p:blipFill>
+          <a:blip r:embed="rId2"/>
+          <a:stretch>
+            <a:fillRect/>
+          </a:stretch>
+        </p:blipFill>
         <p:spPr>
           <a:xfrm>
-            <a:off x="1524000" y="2273417"/>
-            <a:ext cx="9144000" cy="4009937"/>
+            <a:off x="2511425" y="819324"/>
+            <a:ext cx="7169150" cy="5735320"/>
           </a:xfrm>
+          <a:prstGeom prst="rect">
+            <a:avLst/>
+          </a:prstGeom>
         </p:spPr>
-        <p:txBody>
-          <a:bodyPr/>
-          <a:lstStyle/>
-          <a:p>
-            <a:endParaRPr lang="ru-RU" dirty="0"/>
-          </a:p>
-        </p:txBody>
-      </p:sp>
+      </p:pic>
     </p:spTree>
     <p:extLst>
       <p:ext uri="{BB962C8B-B14F-4D97-AF65-F5344CB8AC3E}">

--- a/Формирование междисциплинарных тестовых заданий/Дипломная работа Лунева Л.М..pptx
+++ b/Формирование междисциплинарных тестовых заданий/Дипломная работа Лунева Л.М..pptx
@@ -16,6 +16,7 @@
     <p:sldId id="264" r:id="rId10"/>
     <p:sldId id="265" r:id="rId11"/>
     <p:sldId id="266" r:id="rId12"/>
+    <p:sldId id="267" r:id="rId13"/>
   </p:sldIdLst>
   <p:sldSz cx="12192000" cy="6858000"/>
   <p:notesSz cx="6858000" cy="9144000"/>
@@ -271,7 +272,7 @@
           <a:p>
             <a:fld id="{DA2D959B-00DB-4953-B5C8-84334DC8C2A3}" type="datetimeFigureOut">
               <a:rPr lang="ru-RU" smtClean="0"/>
-              <a:t>05.06.2021</a:t>
+              <a:t>06.06.2021</a:t>
             </a:fld>
             <a:endParaRPr lang="ru-RU"/>
           </a:p>
@@ -471,7 +472,7 @@
           <a:p>
             <a:fld id="{DA2D959B-00DB-4953-B5C8-84334DC8C2A3}" type="datetimeFigureOut">
               <a:rPr lang="ru-RU" smtClean="0"/>
-              <a:t>05.06.2021</a:t>
+              <a:t>06.06.2021</a:t>
             </a:fld>
             <a:endParaRPr lang="ru-RU"/>
           </a:p>
@@ -681,7 +682,7 @@
           <a:p>
             <a:fld id="{DA2D959B-00DB-4953-B5C8-84334DC8C2A3}" type="datetimeFigureOut">
               <a:rPr lang="ru-RU" smtClean="0"/>
-              <a:t>05.06.2021</a:t>
+              <a:t>06.06.2021</a:t>
             </a:fld>
             <a:endParaRPr lang="ru-RU"/>
           </a:p>
@@ -881,7 +882,7 @@
           <a:p>
             <a:fld id="{DA2D959B-00DB-4953-B5C8-84334DC8C2A3}" type="datetimeFigureOut">
               <a:rPr lang="ru-RU" smtClean="0"/>
-              <a:t>05.06.2021</a:t>
+              <a:t>06.06.2021</a:t>
             </a:fld>
             <a:endParaRPr lang="ru-RU"/>
           </a:p>
@@ -1157,7 +1158,7 @@
           <a:p>
             <a:fld id="{DA2D959B-00DB-4953-B5C8-84334DC8C2A3}" type="datetimeFigureOut">
               <a:rPr lang="ru-RU" smtClean="0"/>
-              <a:t>05.06.2021</a:t>
+              <a:t>06.06.2021</a:t>
             </a:fld>
             <a:endParaRPr lang="ru-RU"/>
           </a:p>
@@ -1425,7 +1426,7 @@
           <a:p>
             <a:fld id="{DA2D959B-00DB-4953-B5C8-84334DC8C2A3}" type="datetimeFigureOut">
               <a:rPr lang="ru-RU" smtClean="0"/>
-              <a:t>05.06.2021</a:t>
+              <a:t>06.06.2021</a:t>
             </a:fld>
             <a:endParaRPr lang="ru-RU"/>
           </a:p>
@@ -1840,7 +1841,7 @@
           <a:p>
             <a:fld id="{DA2D959B-00DB-4953-B5C8-84334DC8C2A3}" type="datetimeFigureOut">
               <a:rPr lang="ru-RU" smtClean="0"/>
-              <a:t>05.06.2021</a:t>
+              <a:t>06.06.2021</a:t>
             </a:fld>
             <a:endParaRPr lang="ru-RU"/>
           </a:p>
@@ -1982,7 +1983,7 @@
           <a:p>
             <a:fld id="{DA2D959B-00DB-4953-B5C8-84334DC8C2A3}" type="datetimeFigureOut">
               <a:rPr lang="ru-RU" smtClean="0"/>
-              <a:t>05.06.2021</a:t>
+              <a:t>06.06.2021</a:t>
             </a:fld>
             <a:endParaRPr lang="ru-RU"/>
           </a:p>
@@ -2095,7 +2096,7 @@
           <a:p>
             <a:fld id="{DA2D959B-00DB-4953-B5C8-84334DC8C2A3}" type="datetimeFigureOut">
               <a:rPr lang="ru-RU" smtClean="0"/>
-              <a:t>05.06.2021</a:t>
+              <a:t>06.06.2021</a:t>
             </a:fld>
             <a:endParaRPr lang="ru-RU"/>
           </a:p>
@@ -2408,7 +2409,7 @@
           <a:p>
             <a:fld id="{DA2D959B-00DB-4953-B5C8-84334DC8C2A3}" type="datetimeFigureOut">
               <a:rPr lang="ru-RU" smtClean="0"/>
-              <a:t>05.06.2021</a:t>
+              <a:t>06.06.2021</a:t>
             </a:fld>
             <a:endParaRPr lang="ru-RU"/>
           </a:p>
@@ -2697,7 +2698,7 @@
           <a:p>
             <a:fld id="{DA2D959B-00DB-4953-B5C8-84334DC8C2A3}" type="datetimeFigureOut">
               <a:rPr lang="ru-RU" smtClean="0"/>
-              <a:t>05.06.2021</a:t>
+              <a:t>06.06.2021</a:t>
             </a:fld>
             <a:endParaRPr lang="ru-RU"/>
           </a:p>
@@ -2940,7 +2941,7 @@
           <a:p>
             <a:fld id="{DA2D959B-00DB-4953-B5C8-84334DC8C2A3}" type="datetimeFigureOut">
               <a:rPr lang="ru-RU" smtClean="0"/>
-              <a:t>05.06.2021</a:t>
+              <a:t>06.06.2021</a:t>
             </a:fld>
             <a:endParaRPr lang="ru-RU"/>
           </a:p>
@@ -3734,6 +3735,160 @@
 </p:sld>
 </file>
 
+<file path=ppt/slides/slide12.xml><?xml version="1.0" encoding="utf-8"?>
+<p:sld xmlns:a="http://schemas.openxmlformats.org/drawingml/2006/main" xmlns:r="http://schemas.openxmlformats.org/officeDocument/2006/relationships" xmlns:p="http://schemas.openxmlformats.org/presentationml/2006/main">
+  <p:cSld>
+    <p:spTree>
+      <p:nvGrpSpPr>
+        <p:cNvPr id="1" name=""/>
+        <p:cNvGrpSpPr/>
+        <p:nvPr/>
+      </p:nvGrpSpPr>
+      <p:grpSpPr>
+        <a:xfrm>
+          <a:off x="0" y="0"/>
+          <a:ext cx="0" cy="0"/>
+          <a:chOff x="0" y="0"/>
+          <a:chExt cx="0" cy="0"/>
+        </a:xfrm>
+      </p:grpSpPr>
+      <p:sp>
+        <p:nvSpPr>
+          <p:cNvPr id="2" name="Title 1">
+            <a:extLst>
+              <a:ext uri="{FF2B5EF4-FFF2-40B4-BE49-F238E27FC236}">
+                <a16:creationId xmlns:a16="http://schemas.microsoft.com/office/drawing/2014/main" id="{EF73F218-383D-4BCC-BFCB-FFF01122C760}"/>
+              </a:ext>
+            </a:extLst>
+          </p:cNvPr>
+          <p:cNvSpPr>
+            <a:spLocks noGrp="1"/>
+          </p:cNvSpPr>
+          <p:nvPr>
+            <p:ph type="ctrTitle"/>
+          </p:nvPr>
+        </p:nvSpPr>
+        <p:spPr>
+          <a:xfrm>
+            <a:off x="1524000" y="411163"/>
+            <a:ext cx="9144000" cy="1036637"/>
+          </a:xfrm>
+        </p:spPr>
+        <p:txBody>
+          <a:bodyPr/>
+          <a:lstStyle/>
+          <a:p>
+            <a:r>
+              <a:rPr lang="ru-RU" dirty="0"/>
+              <a:t>Основные выводы</a:t>
+            </a:r>
+          </a:p>
+        </p:txBody>
+      </p:sp>
+      <p:sp>
+        <p:nvSpPr>
+          <p:cNvPr id="3" name="Subtitle 2">
+            <a:extLst>
+              <a:ext uri="{FF2B5EF4-FFF2-40B4-BE49-F238E27FC236}">
+                <a16:creationId xmlns:a16="http://schemas.microsoft.com/office/drawing/2014/main" id="{73D5B3EA-D598-4910-B08A-F9472AA125F9}"/>
+              </a:ext>
+            </a:extLst>
+          </p:cNvPr>
+          <p:cNvSpPr>
+            <a:spLocks noGrp="1"/>
+          </p:cNvSpPr>
+          <p:nvPr>
+            <p:ph type="subTitle" idx="1"/>
+          </p:nvPr>
+        </p:nvSpPr>
+        <p:spPr>
+          <a:xfrm>
+            <a:off x="1524000" y="1447800"/>
+            <a:ext cx="9283700" cy="4559300"/>
+          </a:xfrm>
+        </p:spPr>
+        <p:txBody>
+          <a:bodyPr>
+            <a:noAutofit/>
+          </a:bodyPr>
+          <a:lstStyle/>
+          <a:p>
+            <a:pPr algn="l"/>
+            <a:r>
+              <a:rPr lang="ru-RU" sz="2800" dirty="0"/>
+              <a:t>В результате выполнения дипломного проекта:</a:t>
+            </a:r>
+          </a:p>
+          <a:p>
+            <a:pPr algn="l"/>
+            <a:r>
+              <a:rPr lang="ru-RU" sz="2800" dirty="0"/>
+              <a:t>1. На языке </a:t>
+            </a:r>
+            <a:r>
+              <a:rPr lang="en-US" sz="2800" dirty="0"/>
+              <a:t>C# </a:t>
+            </a:r>
+            <a:r>
+              <a:rPr lang="ru-RU" sz="2800" dirty="0"/>
+              <a:t>запрограммированы основные элементы системы тестирования по учебным предметам колледжа</a:t>
+            </a:r>
+            <a:r>
+              <a:rPr lang="en-US" sz="2800" dirty="0"/>
+              <a:t>.</a:t>
+            </a:r>
+            <a:endParaRPr lang="ru-RU" sz="2800" dirty="0"/>
+          </a:p>
+          <a:p>
+            <a:pPr algn="l"/>
+            <a:r>
+              <a:rPr lang="en-US" sz="2800" dirty="0"/>
+              <a:t>2</a:t>
+            </a:r>
+            <a:r>
+              <a:rPr lang="ru-RU" sz="2800" dirty="0"/>
+              <a:t>. В ходе работы применены передовые технологии создания программного обеспечения, использована итерационная модель проектирования, современный графический интерфейс, система управления версиями </a:t>
+            </a:r>
+            <a:r>
+              <a:rPr lang="en-US" sz="2800" dirty="0"/>
+              <a:t>Git.</a:t>
+            </a:r>
+          </a:p>
+          <a:p>
+            <a:pPr algn="l"/>
+            <a:r>
+              <a:rPr lang="en-US" sz="2800" dirty="0"/>
+              <a:t>3</a:t>
+            </a:r>
+            <a:r>
+              <a:rPr lang="ru-RU" sz="2800" dirty="0"/>
+              <a:t>. Код программы выложен в открытый доступ для дальнейшего совершенствования и использования в учебном процессе</a:t>
+            </a:r>
+            <a:r>
+              <a:rPr lang="en-US" sz="2800" dirty="0"/>
+              <a:t>.</a:t>
+            </a:r>
+            <a:endParaRPr lang="ru-RU" sz="2800" dirty="0"/>
+          </a:p>
+          <a:p>
+            <a:pPr algn="l"/>
+            <a:endParaRPr lang="ru-RU" sz="2800" dirty="0"/>
+          </a:p>
+        </p:txBody>
+      </p:sp>
+    </p:spTree>
+    <p:extLst>
+      <p:ext uri="{BB962C8B-B14F-4D97-AF65-F5344CB8AC3E}">
+        <p14:creationId xmlns:p14="http://schemas.microsoft.com/office/powerpoint/2010/main" val="2144744056"/>
+      </p:ext>
+    </p:extLst>
+  </p:cSld>
+  <p:clrMapOvr>
+    <a:masterClrMapping/>
+  </p:clrMapOvr>
+</p:sld>
+</file>
+
 <file path=ppt/slides/slide2.xml><?xml version="1.0" encoding="utf-8"?>
 <p:sld xmlns:a="http://schemas.openxmlformats.org/drawingml/2006/main" xmlns:r="http://schemas.openxmlformats.org/officeDocument/2006/relationships" xmlns:p="http://schemas.openxmlformats.org/presentationml/2006/main">
   <p:cSld>

--- a/Формирование междисциплинарных тестовых заданий/Дипломная работа Лунева Л.М..pptx
+++ b/Формирование междисциплинарных тестовых заданий/Дипломная работа Лунева Л.М..pptx
@@ -272,7 +272,7 @@
           <a:p>
             <a:fld id="{DA2D959B-00DB-4953-B5C8-84334DC8C2A3}" type="datetimeFigureOut">
               <a:rPr lang="ru-RU" smtClean="0"/>
-              <a:t>06.06.2021</a:t>
+              <a:t>08.06.2021</a:t>
             </a:fld>
             <a:endParaRPr lang="ru-RU"/>
           </a:p>
@@ -472,7 +472,7 @@
           <a:p>
             <a:fld id="{DA2D959B-00DB-4953-B5C8-84334DC8C2A3}" type="datetimeFigureOut">
               <a:rPr lang="ru-RU" smtClean="0"/>
-              <a:t>06.06.2021</a:t>
+              <a:t>08.06.2021</a:t>
             </a:fld>
             <a:endParaRPr lang="ru-RU"/>
           </a:p>
@@ -682,7 +682,7 @@
           <a:p>
             <a:fld id="{DA2D959B-00DB-4953-B5C8-84334DC8C2A3}" type="datetimeFigureOut">
               <a:rPr lang="ru-RU" smtClean="0"/>
-              <a:t>06.06.2021</a:t>
+              <a:t>08.06.2021</a:t>
             </a:fld>
             <a:endParaRPr lang="ru-RU"/>
           </a:p>
@@ -882,7 +882,7 @@
           <a:p>
             <a:fld id="{DA2D959B-00DB-4953-B5C8-84334DC8C2A3}" type="datetimeFigureOut">
               <a:rPr lang="ru-RU" smtClean="0"/>
-              <a:t>06.06.2021</a:t>
+              <a:t>08.06.2021</a:t>
             </a:fld>
             <a:endParaRPr lang="ru-RU"/>
           </a:p>
@@ -1158,7 +1158,7 @@
           <a:p>
             <a:fld id="{DA2D959B-00DB-4953-B5C8-84334DC8C2A3}" type="datetimeFigureOut">
               <a:rPr lang="ru-RU" smtClean="0"/>
-              <a:t>06.06.2021</a:t>
+              <a:t>08.06.2021</a:t>
             </a:fld>
             <a:endParaRPr lang="ru-RU"/>
           </a:p>
@@ -1426,7 +1426,7 @@
           <a:p>
             <a:fld id="{DA2D959B-00DB-4953-B5C8-84334DC8C2A3}" type="datetimeFigureOut">
               <a:rPr lang="ru-RU" smtClean="0"/>
-              <a:t>06.06.2021</a:t>
+              <a:t>08.06.2021</a:t>
             </a:fld>
             <a:endParaRPr lang="ru-RU"/>
           </a:p>
@@ -1841,7 +1841,7 @@
           <a:p>
             <a:fld id="{DA2D959B-00DB-4953-B5C8-84334DC8C2A3}" type="datetimeFigureOut">
               <a:rPr lang="ru-RU" smtClean="0"/>
-              <a:t>06.06.2021</a:t>
+              <a:t>08.06.2021</a:t>
             </a:fld>
             <a:endParaRPr lang="ru-RU"/>
           </a:p>
@@ -1983,7 +1983,7 @@
           <a:p>
             <a:fld id="{DA2D959B-00DB-4953-B5C8-84334DC8C2A3}" type="datetimeFigureOut">
               <a:rPr lang="ru-RU" smtClean="0"/>
-              <a:t>06.06.2021</a:t>
+              <a:t>08.06.2021</a:t>
             </a:fld>
             <a:endParaRPr lang="ru-RU"/>
           </a:p>
@@ -2096,7 +2096,7 @@
           <a:p>
             <a:fld id="{DA2D959B-00DB-4953-B5C8-84334DC8C2A3}" type="datetimeFigureOut">
               <a:rPr lang="ru-RU" smtClean="0"/>
-              <a:t>06.06.2021</a:t>
+              <a:t>08.06.2021</a:t>
             </a:fld>
             <a:endParaRPr lang="ru-RU"/>
           </a:p>
@@ -2409,7 +2409,7 @@
           <a:p>
             <a:fld id="{DA2D959B-00DB-4953-B5C8-84334DC8C2A3}" type="datetimeFigureOut">
               <a:rPr lang="ru-RU" smtClean="0"/>
-              <a:t>06.06.2021</a:t>
+              <a:t>08.06.2021</a:t>
             </a:fld>
             <a:endParaRPr lang="ru-RU"/>
           </a:p>
@@ -2698,7 +2698,7 @@
           <a:p>
             <a:fld id="{DA2D959B-00DB-4953-B5C8-84334DC8C2A3}" type="datetimeFigureOut">
               <a:rPr lang="ru-RU" smtClean="0"/>
-              <a:t>06.06.2021</a:t>
+              <a:t>08.06.2021</a:t>
             </a:fld>
             <a:endParaRPr lang="ru-RU"/>
           </a:p>
@@ -2941,7 +2941,7 @@
           <a:p>
             <a:fld id="{DA2D959B-00DB-4953-B5C8-84334DC8C2A3}" type="datetimeFigureOut">
               <a:rPr lang="ru-RU" smtClean="0"/>
-              <a:t>06.06.2021</a:t>
+              <a:t>08.06.2021</a:t>
             </a:fld>
             <a:endParaRPr lang="ru-RU"/>
           </a:p>
@@ -3457,7 +3457,23 @@
                 <a:latin typeface="Times New Roman" panose="02020603050405020304" pitchFamily="18" charset="0"/>
                 <a:ea typeface="Times New Roman" panose="02020603050405020304" pitchFamily="18" charset="0"/>
               </a:rPr>
-              <a:t>Научный руководитель Бардина Т.И.</a:t>
+              <a:t>Научный руководитель </a:t>
+            </a:r>
+            <a:r>
+              <a:rPr lang="ru-RU" sz="3200" dirty="0" err="1">
+                <a:effectLst/>
+                <a:latin typeface="Times New Roman" panose="02020603050405020304" pitchFamily="18" charset="0"/>
+                <a:ea typeface="Times New Roman" panose="02020603050405020304" pitchFamily="18" charset="0"/>
+              </a:rPr>
+              <a:t>Федюкович</a:t>
+            </a:r>
+            <a:r>
+              <a:rPr lang="ru-RU" sz="3200" dirty="0">
+                <a:effectLst/>
+                <a:latin typeface="Times New Roman" panose="02020603050405020304" pitchFamily="18" charset="0"/>
+                <a:ea typeface="Times New Roman" panose="02020603050405020304" pitchFamily="18" charset="0"/>
+              </a:rPr>
+              <a:t> С.В.</a:t>
             </a:r>
             <a:endParaRPr lang="ru-RU" sz="3200" dirty="0"/>
           </a:p>
